--- a/2016948073 (이대윤).pptx
+++ b/2016948073 (이대윤).pptx
@@ -7,13 +7,13 @@
   <p:sldIdLst>
     <p:sldId id="256" r:id="rId2"/>
     <p:sldId id="257" r:id="rId3"/>
-    <p:sldId id="266" r:id="rId4"/>
-    <p:sldId id="267" r:id="rId5"/>
-    <p:sldId id="262" r:id="rId6"/>
-    <p:sldId id="270" r:id="rId7"/>
-    <p:sldId id="264" r:id="rId8"/>
-    <p:sldId id="271" r:id="rId9"/>
-    <p:sldId id="261" r:id="rId10"/>
+    <p:sldId id="271" r:id="rId4"/>
+    <p:sldId id="273" r:id="rId5"/>
+    <p:sldId id="266" r:id="rId6"/>
+    <p:sldId id="267" r:id="rId7"/>
+    <p:sldId id="268" r:id="rId8"/>
+    <p:sldId id="269" r:id="rId9"/>
+    <p:sldId id="270" r:id="rId10"/>
   </p:sldIdLst>
   <p:sldSz cx="12192000" cy="6858000"/>
   <p:notesSz cx="6858000" cy="9144000"/>
@@ -258,7 +258,7 @@
                 </a:solidFill>
               </a:rPr>
               <a:pPr/>
-              <a:t>2020-10-02</a:t>
+              <a:t>2020-12-06</a:t>
             </a:fld>
             <a:endParaRPr lang="ko-KR" altLang="en-US">
               <a:solidFill>
@@ -460,7 +460,7 @@
                 </a:solidFill>
               </a:rPr>
               <a:pPr/>
-              <a:t>2020-10-02</a:t>
+              <a:t>2020-12-06</a:t>
             </a:fld>
             <a:endParaRPr lang="ko-KR" altLang="en-US">
               <a:solidFill>
@@ -672,7 +672,7 @@
                 </a:solidFill>
               </a:rPr>
               <a:pPr/>
-              <a:t>2020-10-02</a:t>
+              <a:t>2020-12-06</a:t>
             </a:fld>
             <a:endParaRPr lang="ko-KR" altLang="en-US">
               <a:solidFill>
@@ -874,7 +874,7 @@
                 </a:solidFill>
               </a:rPr>
               <a:pPr/>
-              <a:t>2020-10-02</a:t>
+              <a:t>2020-12-06</a:t>
             </a:fld>
             <a:endParaRPr lang="ko-KR" altLang="en-US">
               <a:solidFill>
@@ -1152,7 +1152,7 @@
                 </a:solidFill>
               </a:rPr>
               <a:pPr/>
-              <a:t>2020-10-02</a:t>
+              <a:t>2020-12-06</a:t>
             </a:fld>
             <a:endParaRPr lang="ko-KR" altLang="en-US">
               <a:solidFill>
@@ -1416,7 +1416,7 @@
                 </a:solidFill>
               </a:rPr>
               <a:pPr/>
-              <a:t>2020-10-02</a:t>
+              <a:t>2020-12-06</a:t>
             </a:fld>
             <a:endParaRPr lang="ko-KR" altLang="en-US">
               <a:solidFill>
@@ -1815,7 +1815,7 @@
                 </a:solidFill>
               </a:rPr>
               <a:pPr/>
-              <a:t>2020-10-02</a:t>
+              <a:t>2020-12-06</a:t>
             </a:fld>
             <a:endParaRPr lang="ko-KR" altLang="en-US">
               <a:solidFill>
@@ -1965,7 +1965,7 @@
                 </a:solidFill>
               </a:rPr>
               <a:pPr/>
-              <a:t>2020-10-02</a:t>
+              <a:t>2020-12-06</a:t>
             </a:fld>
             <a:endParaRPr lang="ko-KR" altLang="en-US">
               <a:solidFill>
@@ -2092,7 +2092,7 @@
                 </a:solidFill>
               </a:rPr>
               <a:pPr/>
-              <a:t>2020-10-02</a:t>
+              <a:t>2020-12-06</a:t>
             </a:fld>
             <a:endParaRPr lang="ko-KR" altLang="en-US">
               <a:solidFill>
@@ -2401,7 +2401,7 @@
                 </a:solidFill>
               </a:rPr>
               <a:pPr/>
-              <a:t>2020-10-02</a:t>
+              <a:t>2020-12-06</a:t>
             </a:fld>
             <a:endParaRPr lang="ko-KR" altLang="en-US">
               <a:solidFill>
@@ -2686,7 +2686,7 @@
                 </a:solidFill>
               </a:rPr>
               <a:pPr/>
-              <a:t>2020-10-02</a:t>
+              <a:t>2020-12-06</a:t>
             </a:fld>
             <a:endParaRPr lang="ko-KR" altLang="en-US">
               <a:solidFill>
@@ -2931,7 +2931,7 @@
                 </a:solidFill>
               </a:rPr>
               <a:pPr/>
-              <a:t>2020-10-02</a:t>
+              <a:t>2020-12-06</a:t>
             </a:fld>
             <a:endParaRPr lang="ko-KR" altLang="en-US">
               <a:solidFill>
@@ -3462,7 +3462,7 @@
                 </a:ln>
                 <a:noFill/>
               </a:rPr>
-              <a:t>단위 변환 프로그램</a:t>
+              <a:t>게임프로그래밍   </a:t>
             </a:r>
             <a:endParaRPr lang="en-US" altLang="ko-KR" sz="5000" b="1" i="1" kern="0" dirty="0" smtClean="0">
               <a:ln w="12700">
@@ -3988,8 +3988,8 @@
         </p:nvSpPr>
         <p:spPr>
           <a:xfrm>
-            <a:off x="2071881" y="2347676"/>
-            <a:ext cx="7162800" cy="3570208"/>
+            <a:off x="1187490" y="2132596"/>
+            <a:ext cx="7459194" cy="4909036"/>
           </a:xfrm>
           <a:prstGeom prst="rect">
             <a:avLst/>
@@ -4008,7 +4008,7 @@
               <a:defRPr/>
             </a:pPr>
             <a:r>
-              <a:rPr lang="en-US" altLang="ko-KR" sz="2400" b="1" i="1" kern="0" dirty="0">
+              <a:rPr lang="en-US" altLang="ko-KR" sz="2000" b="1" i="1" kern="0" dirty="0">
                 <a:ln w="12700">
                   <a:solidFill>
                     <a:srgbClr val="F56342"/>
@@ -4016,10 +4016,10 @@
                 </a:ln>
                 <a:noFill/>
               </a:rPr>
-              <a:t>1. </a:t>
-            </a:r>
-            <a:r>
-              <a:rPr lang="ko-KR" altLang="en-US" sz="2400" b="1" i="1" kern="0" dirty="0">
+              <a:t>1.</a:t>
+            </a:r>
+            <a:r>
+              <a:rPr lang="ko-KR" altLang="en-US" sz="2000" b="1" i="1" kern="0" dirty="0">
                 <a:ln w="12700">
                   <a:solidFill>
                     <a:srgbClr val="F56342"/>
@@ -4027,10 +4027,18 @@
                 </a:ln>
                 <a:noFill/>
               </a:rPr>
-              <a:t>단위변환을 하나씩 계산 해야 할까</a:t>
-            </a:r>
-            <a:r>
-              <a:rPr lang="en-US" altLang="ko-KR" sz="2400" b="1" i="1" kern="0" dirty="0">
+              <a:t>프로그램의 목표 </a:t>
+            </a:r>
+          </a:p>
+          <a:p>
+            <a:pPr latinLnBrk="0">
+              <a:lnSpc>
+                <a:spcPct val="150000"/>
+              </a:lnSpc>
+              <a:defRPr/>
+            </a:pPr>
+            <a:r>
+              <a:rPr lang="en-US" altLang="ko-KR" sz="2000" b="1" i="1" kern="0" dirty="0">
                 <a:ln w="12700">
                   <a:solidFill>
                     <a:srgbClr val="F56342"/>
@@ -4038,7 +4046,18 @@
                 </a:ln>
                 <a:noFill/>
               </a:rPr>
-              <a:t>?</a:t>
+              <a:t>2. </a:t>
+            </a:r>
+            <a:r>
+              <a:rPr lang="ko-KR" altLang="en-US" sz="2000" b="1" i="1" kern="0" dirty="0">
+                <a:ln w="12700">
+                  <a:solidFill>
+                    <a:srgbClr val="F56342"/>
+                  </a:solidFill>
+                </a:ln>
+                <a:noFill/>
+              </a:rPr>
+              <a:t>개발환경</a:t>
             </a:r>
           </a:p>
           <a:p>
@@ -4049,7 +4068,7 @@
               <a:defRPr/>
             </a:pPr>
             <a:r>
-              <a:rPr lang="en-US" altLang="ko-KR" sz="2400" b="1" i="1" kern="0" dirty="0" smtClean="0">
+              <a:rPr lang="en-US" altLang="ko-KR" sz="2000" b="1" i="1" kern="0" dirty="0">
                 <a:ln w="12700">
                   <a:solidFill>
                     <a:srgbClr val="F56342"/>
@@ -4057,10 +4076,10 @@
                 </a:ln>
                 <a:noFill/>
               </a:rPr>
-              <a:t>2</a:t>
-            </a:r>
-            <a:r>
-              <a:rPr lang="en-US" altLang="ko-KR" sz="2400" b="1" i="1" kern="0" dirty="0">
+              <a:t>3. </a:t>
+            </a:r>
+            <a:r>
+              <a:rPr lang="en-US" altLang="ko-KR" sz="2000" b="1" i="1" kern="0" dirty="0" err="1">
                 <a:ln w="12700">
                   <a:solidFill>
                     <a:srgbClr val="F56342"/>
@@ -4068,10 +4087,10 @@
                 </a:ln>
                 <a:noFill/>
               </a:rPr>
-              <a:t>. </a:t>
-            </a:r>
-            <a:r>
-              <a:rPr lang="ko-KR" altLang="en-US" sz="2400" b="1" i="1" kern="0" dirty="0">
+              <a:t>Git</a:t>
+            </a:r>
+            <a:r>
+              <a:rPr lang="en-US" altLang="ko-KR" sz="2000" b="1" i="1" kern="0" dirty="0">
                 <a:ln w="12700">
                   <a:solidFill>
                     <a:srgbClr val="F56342"/>
@@ -4079,10 +4098,10 @@
                 </a:ln>
                 <a:noFill/>
               </a:rPr>
-              <a:t>처리</a:t>
-            </a:r>
-            <a:r>
-              <a:rPr lang="en-US" altLang="ko-KR" sz="2400" b="1" i="1" kern="0" dirty="0">
+              <a:t> </a:t>
+            </a:r>
+            <a:r>
+              <a:rPr lang="ko-KR" altLang="en-US" sz="2000" b="1" i="1" kern="0" dirty="0">
                 <a:ln w="12700">
                   <a:solidFill>
                     <a:srgbClr val="F56342"/>
@@ -4090,10 +4109,18 @@
                 </a:ln>
                 <a:noFill/>
               </a:rPr>
-              <a:t>(</a:t>
-            </a:r>
-            <a:r>
-              <a:rPr lang="ko-KR" altLang="en-US" sz="2400" b="1" i="1" kern="0" dirty="0">
+              <a:t>병합 화면</a:t>
+            </a:r>
+          </a:p>
+          <a:p>
+            <a:pPr latinLnBrk="0">
+              <a:lnSpc>
+                <a:spcPct val="150000"/>
+              </a:lnSpc>
+              <a:defRPr/>
+            </a:pPr>
+            <a:r>
+              <a:rPr lang="en-US" altLang="ko-KR" sz="2000" b="1" i="1" kern="0" dirty="0">
                 <a:ln w="12700">
                   <a:solidFill>
                     <a:srgbClr val="F56342"/>
@@ -4101,10 +4128,10 @@
                 </a:ln>
                 <a:noFill/>
               </a:rPr>
-              <a:t>순서</a:t>
-            </a:r>
-            <a:r>
-              <a:rPr lang="en-US" altLang="ko-KR" sz="2400" b="1" i="1" kern="0" dirty="0">
+              <a:t>4. </a:t>
+            </a:r>
+            <a:r>
+              <a:rPr lang="ko-KR" altLang="en-US" sz="2000" b="1" i="1" kern="0" dirty="0" err="1">
                 <a:ln w="12700">
                   <a:solidFill>
                     <a:srgbClr val="F56342"/>
@@ -4112,10 +4139,10 @@
                 </a:ln>
                 <a:noFill/>
               </a:rPr>
-              <a:t>,</a:t>
-            </a:r>
-            <a:r>
-              <a:rPr lang="ko-KR" altLang="en-US" sz="2400" b="1" i="1" kern="0" dirty="0">
+              <a:t>협업툴</a:t>
+            </a:r>
+            <a:r>
+              <a:rPr lang="ko-KR" altLang="en-US" sz="2000" b="1" i="1" kern="0" dirty="0">
                 <a:ln w="12700">
                   <a:solidFill>
                     <a:srgbClr val="F56342"/>
@@ -4123,10 +4150,10 @@
                 </a:ln>
                 <a:noFill/>
               </a:rPr>
-              <a:t>내용</a:t>
-            </a:r>
-            <a:r>
-              <a:rPr lang="en-US" altLang="ko-KR" sz="2400" b="1" i="1" kern="0" dirty="0">
+              <a:t> 화면 </a:t>
+            </a:r>
+            <a:r>
+              <a:rPr lang="en-US" altLang="ko-KR" sz="2000" b="1" i="1" kern="0" dirty="0">
                 <a:ln w="12700">
                   <a:solidFill>
                     <a:srgbClr val="F56342"/>
@@ -4134,18 +4161,10 @@
                 </a:ln>
                 <a:noFill/>
               </a:rPr>
-              <a:t>)</a:t>
-            </a:r>
-          </a:p>
-          <a:p>
-            <a:pPr latinLnBrk="0">
-              <a:lnSpc>
-                <a:spcPct val="150000"/>
-              </a:lnSpc>
-              <a:defRPr/>
-            </a:pPr>
-            <a:r>
-              <a:rPr lang="en-US" altLang="ko-KR" sz="2400" b="1" i="1" kern="0" dirty="0">
+              <a:t>:: slack </a:t>
+            </a:r>
+            <a:r>
+              <a:rPr lang="ko-KR" altLang="en-US" sz="2000" b="1" i="1" kern="0" dirty="0" smtClean="0">
                 <a:ln w="12700">
                   <a:solidFill>
                     <a:srgbClr val="F56342"/>
@@ -4153,42 +4172,9 @@
                 </a:ln>
                 <a:noFill/>
               </a:rPr>
-              <a:t>3. </a:t>
-            </a:r>
-            <a:r>
-              <a:rPr lang="ko-KR" altLang="en-US" sz="2400" b="1" i="1" kern="0" dirty="0">
-                <a:ln w="12700">
-                  <a:solidFill>
-                    <a:srgbClr val="F56342"/>
-                  </a:solidFill>
-                </a:ln>
-                <a:noFill/>
-              </a:rPr>
-              <a:t>프로그램 작성 </a:t>
-            </a:r>
-            <a:r>
-              <a:rPr lang="en-US" altLang="ko-KR" sz="2400" b="1" i="1" kern="0" dirty="0">
-                <a:ln w="12700">
-                  <a:solidFill>
-                    <a:srgbClr val="F56342"/>
-                  </a:solidFill>
-                </a:ln>
-                <a:noFill/>
-              </a:rPr>
-              <a:t>,</a:t>
-            </a:r>
-            <a:r>
-              <a:rPr lang="ko-KR" altLang="en-US" sz="2400" b="1" i="1" kern="0" dirty="0">
-                <a:ln w="12700">
-                  <a:solidFill>
-                    <a:srgbClr val="F56342"/>
-                  </a:solidFill>
-                </a:ln>
-                <a:noFill/>
-              </a:rPr>
-              <a:t>완성</a:t>
-            </a:r>
-            <a:endParaRPr lang="en-US" altLang="ko-KR" sz="2400" b="1" i="1" kern="0" dirty="0">
+              <a:t>사용</a:t>
+            </a:r>
+            <a:endParaRPr lang="en-US" altLang="ko-KR" sz="2000" b="1" i="1" kern="0" dirty="0" smtClean="0">
               <a:ln w="12700">
                 <a:solidFill>
                   <a:srgbClr val="F56342"/>
@@ -4198,11 +4184,14 @@
             </a:endParaRPr>
           </a:p>
           <a:p>
-            <a:pPr>
+            <a:pPr latinLnBrk="0">
+              <a:lnSpc>
+                <a:spcPct val="150000"/>
+              </a:lnSpc>
               <a:defRPr/>
             </a:pPr>
             <a:r>
-              <a:rPr lang="en-US" altLang="ko-KR" sz="2400" b="1" i="1" kern="0" dirty="0">
+              <a:rPr lang="en-US" altLang="ko-KR" sz="2000" b="1" i="1" kern="0" dirty="0">
                 <a:ln w="12700">
                   <a:solidFill>
                     <a:srgbClr val="F56342"/>
@@ -4210,10 +4199,10 @@
                 </a:ln>
                 <a:noFill/>
               </a:rPr>
-              <a:t>4.</a:t>
-            </a:r>
-            <a:r>
-              <a:rPr lang="ko-KR" altLang="en-US" sz="2400" b="1" i="1" kern="0" dirty="0">
+              <a:t>5. Gant </a:t>
+            </a:r>
+            <a:r>
+              <a:rPr lang="en-US" altLang="ko-KR" sz="2000" b="1" i="1" kern="0" dirty="0" smtClean="0">
                 <a:ln w="12700">
                   <a:solidFill>
                     <a:srgbClr val="F56342"/>
@@ -4221,10 +4210,18 @@
                 </a:ln>
                 <a:noFill/>
               </a:rPr>
-              <a:t>프로그램 </a:t>
-            </a:r>
-            <a:r>
-              <a:rPr lang="ko-KR" altLang="en-US" sz="2400" b="1" i="1" kern="0" dirty="0" smtClean="0">
+              <a:t>chart</a:t>
+            </a:r>
+          </a:p>
+          <a:p>
+            <a:pPr latinLnBrk="0">
+              <a:lnSpc>
+                <a:spcPct val="150000"/>
+              </a:lnSpc>
+              <a:defRPr/>
+            </a:pPr>
+            <a:r>
+              <a:rPr lang="en-US" altLang="ko-KR" sz="2000" b="1" i="1" kern="0" dirty="0">
                 <a:ln w="12700">
                   <a:solidFill>
                     <a:srgbClr val="F56342"/>
@@ -4232,9 +4229,31 @@
                 </a:ln>
                 <a:noFill/>
               </a:rPr>
-              <a:t>실행</a:t>
-            </a:r>
-            <a:endParaRPr lang="en-US" altLang="ko-KR" sz="2400" b="1" i="1" kern="0" dirty="0" smtClean="0">
+              <a:t>6.</a:t>
+            </a:r>
+            <a:r>
+              <a:rPr lang="ko-KR" altLang="en-US" sz="2000" b="1" i="1" kern="0" dirty="0">
+                <a:ln w="12700">
+                  <a:solidFill>
+                    <a:srgbClr val="F56342"/>
+                  </a:solidFill>
+                </a:ln>
+                <a:noFill/>
+              </a:rPr>
+              <a:t>작업한 </a:t>
+            </a:r>
+            <a:r>
+              <a:rPr lang="ko-KR" altLang="en-US" sz="2000" b="1" i="1" kern="0" dirty="0" smtClean="0">
+                <a:ln w="12700">
+                  <a:solidFill>
+                    <a:srgbClr val="F56342"/>
+                  </a:solidFill>
+                </a:ln>
+                <a:noFill/>
+              </a:rPr>
+              <a:t>내용</a:t>
+            </a:r>
+            <a:endParaRPr lang="en-US" altLang="ko-KR" sz="2000" b="1" i="1" kern="0" dirty="0" smtClean="0">
               <a:ln w="12700">
                 <a:solidFill>
                   <a:srgbClr val="F56342"/>
@@ -4244,10 +4263,43 @@
             </a:endParaRPr>
           </a:p>
           <a:p>
-            <a:pPr>
+            <a:pPr latinLnBrk="0">
+              <a:lnSpc>
+                <a:spcPct val="150000"/>
+              </a:lnSpc>
               <a:defRPr/>
             </a:pPr>
-            <a:endParaRPr lang="en-US" altLang="ko-KR" sz="2400" b="1" i="1" kern="0" dirty="0">
+            <a:r>
+              <a:rPr lang="en-US" altLang="ko-KR" sz="2000" b="1" i="1" kern="0" dirty="0">
+                <a:ln w="12700">
+                  <a:solidFill>
+                    <a:srgbClr val="F56342"/>
+                  </a:solidFill>
+                </a:ln>
+                <a:noFill/>
+              </a:rPr>
+              <a:t>7. </a:t>
+            </a:r>
+            <a:r>
+              <a:rPr lang="ko-KR" altLang="en-US" sz="2000" b="1" i="1" kern="0" dirty="0">
+                <a:ln w="12700">
+                  <a:solidFill>
+                    <a:srgbClr val="F56342"/>
+                  </a:solidFill>
+                </a:ln>
+                <a:noFill/>
+              </a:rPr>
+              <a:t>팀원평가</a:t>
+            </a:r>
+          </a:p>
+          <a:p>
+            <a:pPr latinLnBrk="0">
+              <a:lnSpc>
+                <a:spcPct val="150000"/>
+              </a:lnSpc>
+              <a:defRPr/>
+            </a:pPr>
+            <a:endParaRPr lang="ko-KR" altLang="en-US" b="1" i="1" kern="0" dirty="0">
               <a:ln w="12700">
                 <a:solidFill>
                   <a:srgbClr val="F56342"/>
@@ -4257,32 +4309,13 @@
             </a:endParaRPr>
           </a:p>
           <a:p>
-            <a:pPr>
+            <a:pPr latinLnBrk="0">
+              <a:lnSpc>
+                <a:spcPct val="150000"/>
+              </a:lnSpc>
               <a:defRPr/>
             </a:pPr>
-            <a:r>
-              <a:rPr lang="en-US" altLang="ko-KR" sz="2400" b="1" i="1" kern="0" dirty="0">
-                <a:ln w="12700">
-                  <a:solidFill>
-                    <a:srgbClr val="F56342"/>
-                  </a:solidFill>
-                </a:ln>
-                <a:noFill/>
-              </a:rPr>
-              <a:t>5. </a:t>
-            </a:r>
-            <a:r>
-              <a:rPr lang="ko-KR" altLang="en-US" sz="2400" b="1" i="1" kern="0" dirty="0" smtClean="0">
-                <a:ln w="12700">
-                  <a:solidFill>
-                    <a:srgbClr val="F56342"/>
-                  </a:solidFill>
-                </a:ln>
-                <a:noFill/>
-              </a:rPr>
-              <a:t>맺음말</a:t>
-            </a:r>
-            <a:endParaRPr lang="en-US" altLang="ko-KR" sz="2400" b="1" i="1" kern="0" dirty="0" smtClean="0">
+            <a:endParaRPr lang="ko-KR" altLang="en-US" b="1" i="1" kern="0" dirty="0">
               <a:ln w="12700">
                 <a:solidFill>
                   <a:srgbClr val="F56342"/>
@@ -4292,10 +4325,13 @@
             </a:endParaRPr>
           </a:p>
           <a:p>
-            <a:pPr>
+            <a:pPr latinLnBrk="0">
+              <a:lnSpc>
+                <a:spcPct val="150000"/>
+              </a:lnSpc>
               <a:defRPr/>
             </a:pPr>
-            <a:endParaRPr lang="en-US" altLang="ko-KR" sz="2400" b="1" i="1" kern="0" dirty="0">
+            <a:endParaRPr lang="en-US" altLang="ko-KR" b="1" i="1" kern="0" dirty="0" smtClean="0">
               <a:ln w="12700">
                 <a:solidFill>
                   <a:srgbClr val="F56342"/>
@@ -4374,8 +4410,8 @@
         </p:nvSpPr>
         <p:spPr>
           <a:xfrm>
-            <a:off x="392685" y="233628"/>
-            <a:ext cx="11106960" cy="735842"/>
+            <a:off x="382175" y="249048"/>
+            <a:ext cx="5938160" cy="923330"/>
           </a:xfrm>
           <a:prstGeom prst="rect">
             <a:avLst/>
@@ -4394,7 +4430,7 @@
               <a:defRPr/>
             </a:pPr>
             <a:r>
-              <a:rPr lang="en-US" altLang="ko-KR" sz="3200" b="1" i="1" kern="0" dirty="0">
+              <a:rPr lang="en-US" altLang="ko-KR" sz="3600" b="1" i="1" kern="0" dirty="0">
                 <a:ln w="12700">
                   <a:solidFill>
                     <a:srgbClr val="F56342"/>
@@ -4402,10 +4438,10 @@
                 </a:ln>
                 <a:noFill/>
               </a:rPr>
-              <a:t>1. </a:t>
-            </a:r>
-            <a:r>
-              <a:rPr lang="ko-KR" altLang="en-US" sz="3200" b="1" i="1" kern="0" dirty="0">
+              <a:t>1</a:t>
+            </a:r>
+            <a:r>
+              <a:rPr lang="en-US" altLang="ko-KR" sz="3600" b="1" i="1" kern="0" dirty="0" smtClean="0">
                 <a:ln w="12700">
                   <a:solidFill>
                     <a:srgbClr val="F56342"/>
@@ -4413,10 +4449,10 @@
                 </a:ln>
                 <a:noFill/>
               </a:rPr>
-              <a:t>단위변환을 하나씩 계산 해야 할까</a:t>
-            </a:r>
-            <a:r>
-              <a:rPr lang="en-US" altLang="ko-KR" sz="3200" b="1" i="1" kern="0" dirty="0">
+              <a:t>.</a:t>
+            </a:r>
+            <a:r>
+              <a:rPr lang="ko-KR" altLang="en-US" sz="3600" b="1" i="1" kern="0" dirty="0" smtClean="0">
                 <a:ln w="12700">
                   <a:solidFill>
                     <a:srgbClr val="F56342"/>
@@ -4424,459 +4460,285 @@
                 </a:ln>
                 <a:noFill/>
               </a:rPr>
-              <a:t>?</a:t>
-            </a:r>
-          </a:p>
-        </p:txBody>
-      </p:sp>
-      <p:grpSp>
-        <p:nvGrpSpPr>
-          <p:cNvPr id="3" name="그룹 2"/>
-          <p:cNvGrpSpPr/>
+              <a:t>프로그램의 목표 </a:t>
+            </a:r>
+            <a:endParaRPr lang="ko-KR" altLang="en-US" sz="3600" b="1" i="1" kern="0" dirty="0">
+              <a:ln w="12700">
+                <a:solidFill>
+                  <a:srgbClr val="F56342"/>
+                </a:solidFill>
+              </a:ln>
+              <a:noFill/>
+            </a:endParaRPr>
+          </a:p>
+        </p:txBody>
+      </p:sp>
+      <p:sp>
+        <p:nvSpPr>
+          <p:cNvPr id="2" name="TextBox 1"/>
+          <p:cNvSpPr txBox="1"/>
           <p:nvPr/>
-        </p:nvGrpSpPr>
-        <p:grpSpPr>
+        </p:nvSpPr>
+        <p:spPr>
           <a:xfrm>
-            <a:off x="2449352" y="1859851"/>
-            <a:ext cx="6993622" cy="1149797"/>
-            <a:chOff x="2354768" y="1836598"/>
-            <a:chExt cx="6993622" cy="1151991"/>
+            <a:off x="556403" y="1630392"/>
+            <a:ext cx="8272732" cy="1631216"/>
           </a:xfrm>
-        </p:grpSpPr>
-        <p:sp>
-          <p:nvSpPr>
-            <p:cNvPr id="15" name="직사각형 14"/>
-            <p:cNvSpPr/>
-            <p:nvPr/>
-          </p:nvSpPr>
-          <p:spPr>
-            <a:xfrm>
-              <a:off x="2562364" y="2035198"/>
-              <a:ext cx="6578427" cy="784851"/>
-            </a:xfrm>
-            <a:prstGeom prst="rect">
-              <a:avLst/>
-            </a:prstGeom>
-          </p:spPr>
-          <p:txBody>
-            <a:bodyPr wrap="square">
-              <a:spAutoFit/>
-            </a:bodyPr>
-            <a:lstStyle/>
-            <a:p>
-              <a:pPr marL="342900" indent="-342900">
-                <a:lnSpc>
-                  <a:spcPct val="150000"/>
-                </a:lnSpc>
-                <a:buAutoNum type="arabicPeriod"/>
-              </a:pPr>
-              <a:r>
-                <a:rPr lang="ko-KR" altLang="en-US" sz="1600" b="1" dirty="0" smtClean="0">
-                  <a:solidFill>
-                    <a:prstClr val="white"/>
-                  </a:solidFill>
-                </a:rPr>
-                <a:t>설계도를 그리는데 단위 표현이 제각각 이라서 일일이 계산하기 너무 시간이 오래 걸린다</a:t>
-              </a:r>
-              <a:r>
-                <a:rPr lang="en-US" altLang="ko-KR" sz="1600" b="1" dirty="0" smtClean="0">
-                  <a:solidFill>
-                    <a:prstClr val="white"/>
-                  </a:solidFill>
-                </a:rPr>
-                <a:t>.</a:t>
-              </a:r>
-              <a:r>
-                <a:rPr lang="ko-KR" altLang="en-US" sz="1600" b="1" dirty="0" smtClean="0">
-                  <a:solidFill>
-                    <a:prstClr val="white"/>
-                  </a:solidFill>
-                </a:rPr>
-                <a:t> </a:t>
-              </a:r>
-              <a:endParaRPr lang="ko-KR" altLang="en-US" sz="1200" b="1" dirty="0">
+          <a:prstGeom prst="rect">
+            <a:avLst/>
+          </a:prstGeom>
+          <a:noFill/>
+        </p:spPr>
+        <p:txBody>
+          <a:bodyPr wrap="square" rtlCol="0">
+            <a:spAutoFit/>
+          </a:bodyPr>
+          <a:lstStyle/>
+          <a:p>
+            <a:r>
+              <a:rPr lang="ko-KR" altLang="en-US" sz="2500" dirty="0" smtClean="0"/>
+              <a:t>이번 프로그램의 </a:t>
+            </a:r>
+            <a:r>
+              <a:rPr lang="ko-KR" altLang="en-US" sz="2500" dirty="0" smtClean="0">
                 <a:solidFill>
-                  <a:prstClr val="white"/>
+                  <a:schemeClr val="bg2">
+                    <a:lumMod val="75000"/>
+                  </a:schemeClr>
                 </a:solidFill>
-              </a:endParaRPr>
-            </a:p>
-          </p:txBody>
-        </p:sp>
-        <p:sp>
-          <p:nvSpPr>
-            <p:cNvPr id="16" name="모서리가 둥근 직사각형 15"/>
-            <p:cNvSpPr/>
-            <p:nvPr/>
-          </p:nvSpPr>
-          <p:spPr>
-            <a:xfrm>
-              <a:off x="2354768" y="1836598"/>
-              <a:ext cx="6993622" cy="1151991"/>
-            </a:xfrm>
-            <a:prstGeom prst="roundRect">
-              <a:avLst>
-                <a:gd name="adj" fmla="val 12746"/>
-              </a:avLst>
-            </a:prstGeom>
-            <a:noFill/>
-            <a:ln w="19050">
-              <a:solidFill>
-                <a:srgbClr val="F56342"/>
-              </a:solidFill>
-            </a:ln>
-          </p:spPr>
-          <p:style>
-            <a:lnRef idx="2">
-              <a:schemeClr val="accent1">
-                <a:shade val="50000"/>
-              </a:schemeClr>
-            </a:lnRef>
-            <a:fillRef idx="1">
-              <a:schemeClr val="accent1"/>
-            </a:fillRef>
-            <a:effectRef idx="0">
-              <a:schemeClr val="accent1"/>
-            </a:effectRef>
-            <a:fontRef idx="minor">
-              <a:schemeClr val="lt1"/>
-            </a:fontRef>
-          </p:style>
-          <p:txBody>
-            <a:bodyPr rtlCol="0" anchor="ctr"/>
-            <a:lstStyle/>
-            <a:p>
-              <a:pPr algn="ctr"/>
-              <a:endParaRPr lang="ko-KR" altLang="en-US">
+              </a:rPr>
+              <a:t>목표</a:t>
+            </a:r>
+            <a:r>
+              <a:rPr lang="ko-KR" altLang="en-US" sz="2500" dirty="0" smtClean="0"/>
+              <a:t>는 </a:t>
+            </a:r>
+            <a:r>
+              <a:rPr lang="ko-KR" altLang="en-US" sz="2500" dirty="0" err="1" smtClean="0">
                 <a:solidFill>
-                  <a:prstClr val="white"/>
+                  <a:schemeClr val="bg2">
+                    <a:lumMod val="75000"/>
+                  </a:schemeClr>
                 </a:solidFill>
-              </a:endParaRPr>
-            </a:p>
-          </p:txBody>
-        </p:sp>
-      </p:grpSp>
-      <p:grpSp>
-        <p:nvGrpSpPr>
-          <p:cNvPr id="17" name="그룹 16"/>
-          <p:cNvGrpSpPr/>
+              </a:rPr>
+              <a:t>유니티</a:t>
+            </a:r>
+            <a:r>
+              <a:rPr lang="ko-KR" altLang="en-US" sz="2500" dirty="0" err="1" smtClean="0"/>
+              <a:t>를</a:t>
+            </a:r>
+            <a:r>
+              <a:rPr lang="ko-KR" altLang="en-US" sz="2500" dirty="0" smtClean="0"/>
+              <a:t> 처음 다루어보며 간단한 게임을 제작하는데 목표를 두었으며</a:t>
+            </a:r>
+            <a:r>
+              <a:rPr lang="en-US" altLang="ko-KR" sz="2500" dirty="0" smtClean="0"/>
+              <a:t>, </a:t>
+            </a:r>
+            <a:r>
+              <a:rPr lang="ko-KR" altLang="en-US" sz="2500" dirty="0" err="1" smtClean="0">
+                <a:solidFill>
+                  <a:schemeClr val="bg2">
+                    <a:lumMod val="75000"/>
+                  </a:schemeClr>
+                </a:solidFill>
+              </a:rPr>
+              <a:t>협업툴</a:t>
+            </a:r>
+            <a:r>
+              <a:rPr lang="ko-KR" altLang="en-US" sz="2500" dirty="0" err="1" smtClean="0"/>
+              <a:t>을</a:t>
+            </a:r>
+            <a:r>
+              <a:rPr lang="ko-KR" altLang="en-US" sz="2500" dirty="0" smtClean="0"/>
+              <a:t> 사용해보고 </a:t>
+            </a:r>
+            <a:r>
+              <a:rPr lang="ko-KR" altLang="en-US" sz="2500" dirty="0" err="1" smtClean="0"/>
+              <a:t>소스트리를</a:t>
+            </a:r>
+            <a:r>
+              <a:rPr lang="ko-KR" altLang="en-US" sz="2500" dirty="0" smtClean="0"/>
+              <a:t> 이용해 </a:t>
+            </a:r>
+            <a:r>
+              <a:rPr lang="ko-KR" altLang="en-US" sz="2500" dirty="0" smtClean="0">
+                <a:solidFill>
+                  <a:schemeClr val="bg2">
+                    <a:lumMod val="75000"/>
+                  </a:schemeClr>
+                </a:solidFill>
+              </a:rPr>
+              <a:t>깃 병합</a:t>
+            </a:r>
+            <a:r>
+              <a:rPr lang="ko-KR" altLang="en-US" sz="2500" dirty="0" smtClean="0"/>
+              <a:t>을 시키는데 중점을 두었습니다</a:t>
+            </a:r>
+            <a:r>
+              <a:rPr lang="en-US" altLang="ko-KR" sz="2500" dirty="0" smtClean="0"/>
+              <a:t>.</a:t>
+            </a:r>
+            <a:endParaRPr lang="ko-KR" altLang="en-US" sz="2500" dirty="0"/>
+          </a:p>
+        </p:txBody>
+      </p:sp>
+      <p:sp>
+        <p:nvSpPr>
+          <p:cNvPr id="3" name="TextBox 2"/>
+          <p:cNvSpPr txBox="1"/>
           <p:nvPr/>
-        </p:nvGrpSpPr>
-        <p:grpSpPr>
+        </p:nvSpPr>
+        <p:spPr>
           <a:xfrm>
-            <a:off x="2449353" y="3308647"/>
-            <a:ext cx="6993622" cy="1156192"/>
-            <a:chOff x="2354769" y="1755387"/>
-            <a:chExt cx="6993622" cy="1151991"/>
+            <a:off x="8333117" y="5745192"/>
+            <a:ext cx="3502325" cy="477054"/>
           </a:xfrm>
-        </p:grpSpPr>
-        <p:sp>
-          <p:nvSpPr>
-            <p:cNvPr id="18" name="직사각형 17"/>
-            <p:cNvSpPr/>
-            <p:nvPr/>
-          </p:nvSpPr>
-          <p:spPr>
-            <a:xfrm>
-              <a:off x="2562366" y="1823550"/>
-              <a:ext cx="6578427" cy="827978"/>
-            </a:xfrm>
-            <a:prstGeom prst="rect">
-              <a:avLst/>
-            </a:prstGeom>
-          </p:spPr>
-          <p:txBody>
-            <a:bodyPr wrap="square">
-              <a:spAutoFit/>
-            </a:bodyPr>
-            <a:lstStyle/>
-            <a:p>
-              <a:pPr>
-                <a:lnSpc>
-                  <a:spcPct val="150000"/>
-                </a:lnSpc>
-              </a:pPr>
-              <a:r>
-                <a:rPr lang="en-US" altLang="ko-KR" sz="1600" b="1" dirty="0" smtClean="0">
-                  <a:solidFill>
-                    <a:prstClr val="white"/>
-                  </a:solidFill>
-                </a:rPr>
-                <a:t>2</a:t>
-              </a:r>
-              <a:r>
-                <a:rPr lang="en-US" altLang="ko-KR" sz="1600" b="1" dirty="0" smtClean="0">
-                  <a:solidFill>
-                    <a:prstClr val="white"/>
-                  </a:solidFill>
-                </a:rPr>
-                <a:t>. </a:t>
-              </a:r>
-              <a:r>
-                <a:rPr lang="ko-KR" altLang="en-US" sz="1600" b="1" dirty="0" smtClean="0">
-                  <a:solidFill>
-                    <a:prstClr val="white"/>
-                  </a:solidFill>
-                </a:rPr>
-                <a:t>내가 변환하고 싶은 값을 넣어 원하는 단위의 값을 만들어줄 </a:t>
-              </a:r>
-              <a:endParaRPr lang="en-US" altLang="ko-KR" sz="1600" b="1" dirty="0" smtClean="0">
-                <a:solidFill>
-                  <a:prstClr val="white"/>
-                </a:solidFill>
-              </a:endParaRPr>
-            </a:p>
-            <a:p>
-              <a:pPr>
-                <a:lnSpc>
-                  <a:spcPct val="150000"/>
-                </a:lnSpc>
-              </a:pPr>
-              <a:r>
-                <a:rPr lang="en-US" altLang="ko-KR" sz="1600" b="1" dirty="0">
-                  <a:solidFill>
-                    <a:prstClr val="white"/>
-                  </a:solidFill>
-                </a:rPr>
-                <a:t> </a:t>
-              </a:r>
-              <a:r>
-                <a:rPr lang="en-US" altLang="ko-KR" sz="1600" b="1" dirty="0" smtClean="0">
-                  <a:solidFill>
-                    <a:prstClr val="white"/>
-                  </a:solidFill>
-                </a:rPr>
-                <a:t>  </a:t>
-              </a:r>
-              <a:r>
-                <a:rPr lang="ko-KR" altLang="en-US" sz="1600" b="1" dirty="0" smtClean="0">
-                  <a:solidFill>
-                    <a:prstClr val="white"/>
-                  </a:solidFill>
-                </a:rPr>
-                <a:t>프로그램이 있으면 빠르지 않을까</a:t>
-              </a:r>
-              <a:r>
-                <a:rPr lang="en-US" altLang="ko-KR" sz="1600" b="1" dirty="0" smtClean="0">
-                  <a:solidFill>
-                    <a:prstClr val="white"/>
-                  </a:solidFill>
-                </a:rPr>
-                <a:t>?</a:t>
-              </a:r>
-              <a:r>
-                <a:rPr lang="ko-KR" altLang="en-US" sz="1600" b="1" dirty="0" smtClean="0">
-                  <a:solidFill>
-                    <a:prstClr val="white"/>
-                  </a:solidFill>
-                </a:rPr>
-                <a:t> </a:t>
-              </a:r>
-              <a:r>
-                <a:rPr lang="en-US" altLang="ko-KR" sz="1600" b="1" dirty="0" smtClean="0">
-                  <a:solidFill>
-                    <a:prstClr val="white"/>
-                  </a:solidFill>
-                </a:rPr>
-                <a:t> </a:t>
-              </a:r>
-              <a:endParaRPr lang="en-US" altLang="ko-KR" sz="1200" b="1" dirty="0" smtClean="0">
-                <a:solidFill>
-                  <a:prstClr val="white"/>
-                </a:solidFill>
-              </a:endParaRPr>
-            </a:p>
-          </p:txBody>
-        </p:sp>
-        <p:sp>
-          <p:nvSpPr>
-            <p:cNvPr id="19" name="모서리가 둥근 직사각형 18"/>
-            <p:cNvSpPr/>
-            <p:nvPr/>
-          </p:nvSpPr>
-          <p:spPr>
-            <a:xfrm>
-              <a:off x="2354769" y="1755387"/>
-              <a:ext cx="6993622" cy="1151991"/>
-            </a:xfrm>
-            <a:prstGeom prst="roundRect">
-              <a:avLst>
-                <a:gd name="adj" fmla="val 12746"/>
-              </a:avLst>
-            </a:prstGeom>
-            <a:noFill/>
-            <a:ln w="19050">
-              <a:solidFill>
-                <a:srgbClr val="F56342"/>
-              </a:solidFill>
-            </a:ln>
-          </p:spPr>
-          <p:style>
-            <a:lnRef idx="2">
-              <a:schemeClr val="accent1">
-                <a:shade val="50000"/>
-              </a:schemeClr>
-            </a:lnRef>
-            <a:fillRef idx="1">
-              <a:schemeClr val="accent1"/>
-            </a:fillRef>
-            <a:effectRef idx="0">
-              <a:schemeClr val="accent1"/>
-            </a:effectRef>
-            <a:fontRef idx="minor">
-              <a:schemeClr val="lt1"/>
-            </a:fontRef>
-          </p:style>
-          <p:txBody>
-            <a:bodyPr rtlCol="0" anchor="ctr"/>
-            <a:lstStyle/>
-            <a:p>
-              <a:pPr algn="ctr"/>
-              <a:endParaRPr lang="ko-KR" altLang="en-US">
-                <a:solidFill>
-                  <a:prstClr val="white"/>
-                </a:solidFill>
-              </a:endParaRPr>
-            </a:p>
-          </p:txBody>
-        </p:sp>
-      </p:grpSp>
-      <p:grpSp>
-        <p:nvGrpSpPr>
-          <p:cNvPr id="20" name="그룹 19"/>
-          <p:cNvGrpSpPr/>
+          <a:prstGeom prst="rect">
+            <a:avLst/>
+          </a:prstGeom>
+          <a:noFill/>
+        </p:spPr>
+        <p:txBody>
+          <a:bodyPr wrap="square" rtlCol="0">
+            <a:spAutoFit/>
+          </a:bodyPr>
+          <a:lstStyle/>
+          <a:p>
+            <a:r>
+              <a:rPr lang="en-US" altLang="ko-KR" sz="2500" dirty="0" smtClean="0"/>
+              <a:t>2020</a:t>
+            </a:r>
+            <a:r>
+              <a:rPr lang="ko-KR" altLang="en-US" sz="2500" dirty="0" smtClean="0"/>
+              <a:t>년 </a:t>
+            </a:r>
+            <a:r>
+              <a:rPr lang="en-US" altLang="ko-KR" sz="2500" dirty="0" smtClean="0"/>
+              <a:t>12</a:t>
+            </a:r>
+            <a:r>
+              <a:rPr lang="ko-KR" altLang="en-US" sz="2500" dirty="0" smtClean="0"/>
+              <a:t>월 </a:t>
+            </a:r>
+            <a:r>
+              <a:rPr lang="en-US" altLang="ko-KR" sz="2500" dirty="0" smtClean="0"/>
+              <a:t>7</a:t>
+            </a:r>
+            <a:r>
+              <a:rPr lang="ko-KR" altLang="en-US" sz="2500" dirty="0" smtClean="0"/>
+              <a:t>일</a:t>
+            </a:r>
+            <a:endParaRPr lang="ko-KR" altLang="en-US" sz="2500" dirty="0"/>
+          </a:p>
+        </p:txBody>
+      </p:sp>
+      <p:sp>
+        <p:nvSpPr>
+          <p:cNvPr id="5" name="TextBox 4"/>
+          <p:cNvSpPr txBox="1"/>
           <p:nvPr/>
-        </p:nvGrpSpPr>
-        <p:grpSpPr>
+        </p:nvSpPr>
+        <p:spPr>
           <a:xfrm>
-            <a:off x="2449352" y="4885423"/>
-            <a:ext cx="6993622" cy="1149797"/>
-            <a:chOff x="4411440" y="1849551"/>
-            <a:chExt cx="6993622" cy="1151991"/>
+            <a:off x="556403" y="3682700"/>
+            <a:ext cx="8402129" cy="2015936"/>
           </a:xfrm>
-        </p:grpSpPr>
-        <p:sp>
-          <p:nvSpPr>
-            <p:cNvPr id="21" name="직사각형 20"/>
-            <p:cNvSpPr/>
-            <p:nvPr/>
-          </p:nvSpPr>
-          <p:spPr>
-            <a:xfrm>
-              <a:off x="4619036" y="2149120"/>
-              <a:ext cx="6578427" cy="414814"/>
-            </a:xfrm>
-            <a:prstGeom prst="rect">
-              <a:avLst/>
-            </a:prstGeom>
-          </p:spPr>
-          <p:txBody>
-            <a:bodyPr wrap="square">
-              <a:spAutoFit/>
-            </a:bodyPr>
-            <a:lstStyle/>
-            <a:p>
-              <a:pPr>
-                <a:lnSpc>
-                  <a:spcPct val="150000"/>
-                </a:lnSpc>
-              </a:pPr>
-              <a:r>
-                <a:rPr lang="en-US" altLang="ko-KR" sz="1600" b="1" dirty="0" smtClean="0">
-                  <a:solidFill>
-                    <a:prstClr val="white"/>
-                  </a:solidFill>
-                </a:rPr>
-                <a:t>3</a:t>
-              </a:r>
-              <a:r>
-                <a:rPr lang="en-US" altLang="ko-KR" sz="1600" b="1" dirty="0" smtClean="0">
-                  <a:solidFill>
-                    <a:prstClr val="white"/>
-                  </a:solidFill>
-                </a:rPr>
-                <a:t>. C</a:t>
-              </a:r>
-              <a:r>
-                <a:rPr lang="ko-KR" altLang="en-US" sz="1600" b="1" dirty="0" smtClean="0">
-                  <a:solidFill>
-                    <a:prstClr val="white"/>
-                  </a:solidFill>
-                </a:rPr>
-                <a:t>언어를 이용해서 값을 변환시켜주는 프로그램을 만들어보자</a:t>
-              </a:r>
-              <a:r>
-                <a:rPr lang="en-US" altLang="ko-KR" sz="1600" b="1" dirty="0" smtClean="0">
-                  <a:solidFill>
-                    <a:prstClr val="white"/>
-                  </a:solidFill>
-                </a:rPr>
-                <a:t>. </a:t>
-              </a:r>
-              <a:endParaRPr lang="ko-KR" altLang="en-US" sz="1200" b="1" dirty="0">
-                <a:solidFill>
-                  <a:prstClr val="white"/>
-                </a:solidFill>
-              </a:endParaRPr>
-            </a:p>
-          </p:txBody>
-        </p:sp>
-        <p:sp>
-          <p:nvSpPr>
-            <p:cNvPr id="22" name="모서리가 둥근 직사각형 21"/>
-            <p:cNvSpPr/>
-            <p:nvPr/>
-          </p:nvSpPr>
-          <p:spPr>
-            <a:xfrm>
-              <a:off x="4411440" y="1849551"/>
-              <a:ext cx="6993622" cy="1151991"/>
-            </a:xfrm>
-            <a:prstGeom prst="roundRect">
-              <a:avLst>
-                <a:gd name="adj" fmla="val 12746"/>
-              </a:avLst>
-            </a:prstGeom>
-            <a:noFill/>
-            <a:ln w="19050">
-              <a:solidFill>
-                <a:srgbClr val="F56342"/>
-              </a:solidFill>
-            </a:ln>
-          </p:spPr>
-          <p:style>
-            <a:lnRef idx="2">
-              <a:schemeClr val="accent1">
-                <a:shade val="50000"/>
-              </a:schemeClr>
-            </a:lnRef>
-            <a:fillRef idx="1">
-              <a:schemeClr val="accent1"/>
-            </a:fillRef>
-            <a:effectRef idx="0">
-              <a:schemeClr val="accent1"/>
-            </a:effectRef>
-            <a:fontRef idx="minor">
-              <a:schemeClr val="lt1"/>
-            </a:fontRef>
-          </p:style>
-          <p:txBody>
-            <a:bodyPr rtlCol="0" anchor="ctr"/>
-            <a:lstStyle/>
-            <a:p>
-              <a:pPr algn="ctr"/>
-              <a:endParaRPr lang="ko-KR" altLang="en-US">
-                <a:solidFill>
-                  <a:prstClr val="white"/>
-                </a:solidFill>
-              </a:endParaRPr>
-            </a:p>
-          </p:txBody>
-        </p:sp>
-      </p:grpSp>
+          <a:prstGeom prst="rect">
+            <a:avLst/>
+          </a:prstGeom>
+          <a:noFill/>
+        </p:spPr>
+        <p:txBody>
+          <a:bodyPr wrap="square" rtlCol="0">
+            <a:spAutoFit/>
+          </a:bodyPr>
+          <a:lstStyle/>
+          <a:p>
+            <a:r>
+              <a:rPr lang="ko-KR" altLang="en-US" sz="2500" dirty="0" smtClean="0"/>
+              <a:t>공굴리기 게임을 만들어보고 내가 할 수 있는 수준에서 간단한 추가 </a:t>
+            </a:r>
+            <a:r>
+              <a:rPr lang="ko-KR" altLang="en-US" sz="2500" dirty="0" err="1" smtClean="0"/>
+              <a:t>작업을통해</a:t>
+            </a:r>
+            <a:endParaRPr lang="en-US" altLang="ko-KR" sz="2500" dirty="0" smtClean="0"/>
+          </a:p>
+          <a:p>
+            <a:r>
+              <a:rPr lang="ko-KR" altLang="en-US" sz="2500" dirty="0" err="1" smtClean="0"/>
+              <a:t>유니티</a:t>
+            </a:r>
+            <a:r>
+              <a:rPr lang="ko-KR" altLang="en-US" sz="2500" dirty="0" smtClean="0"/>
+              <a:t> 게임 제작에 </a:t>
+            </a:r>
+            <a:r>
+              <a:rPr lang="ko-KR" altLang="en-US" sz="2500" dirty="0" err="1" smtClean="0"/>
+              <a:t>이해를하고</a:t>
+            </a:r>
+            <a:r>
+              <a:rPr lang="ko-KR" altLang="en-US" sz="2500" dirty="0" smtClean="0"/>
+              <a:t> </a:t>
+            </a:r>
+            <a:r>
+              <a:rPr lang="ko-KR" altLang="en-US" sz="2500" dirty="0" err="1" smtClean="0"/>
+              <a:t>직접만든</a:t>
+            </a:r>
+            <a:r>
+              <a:rPr lang="ko-KR" altLang="en-US" sz="2500" dirty="0" smtClean="0"/>
+              <a:t> 프로그램을 실행해보며 </a:t>
+            </a:r>
+            <a:endParaRPr lang="en-US" altLang="ko-KR" sz="2500" dirty="0" smtClean="0"/>
+          </a:p>
+          <a:p>
+            <a:r>
+              <a:rPr lang="ko-KR" altLang="en-US" sz="2500" dirty="0" smtClean="0"/>
+              <a:t>무엇인가를 만들어내는 것에 중점을 두었습니다</a:t>
+            </a:r>
+            <a:r>
+              <a:rPr lang="en-US" altLang="ko-KR" sz="2500" dirty="0" smtClean="0"/>
+              <a:t>.</a:t>
+            </a:r>
+            <a:endParaRPr lang="ko-KR" altLang="en-US" sz="2500" dirty="0"/>
+          </a:p>
+        </p:txBody>
+      </p:sp>
+      <p:pic>
+        <p:nvPicPr>
+          <p:cNvPr id="6" name="그림 5"/>
+          <p:cNvPicPr>
+            <a:picLocks noChangeAspect="1"/>
+          </p:cNvPicPr>
+          <p:nvPr/>
+        </p:nvPicPr>
+        <p:blipFill>
+          <a:blip r:embed="rId2">
+            <a:extLst>
+              <a:ext uri="{28A0092B-C50C-407E-A947-70E740481C1C}">
+                <a14:useLocalDpi xmlns:a14="http://schemas.microsoft.com/office/drawing/2010/main" val="0"/>
+              </a:ext>
+            </a:extLst>
+          </a:blip>
+          <a:stretch>
+            <a:fillRect/>
+          </a:stretch>
+        </p:blipFill>
+        <p:spPr>
+          <a:xfrm>
+            <a:off x="8958532" y="1901506"/>
+            <a:ext cx="2999902" cy="2789162"/>
+          </a:xfrm>
+          <a:prstGeom prst="rect">
+            <a:avLst/>
+          </a:prstGeom>
+        </p:spPr>
+      </p:pic>
     </p:spTree>
     <p:extLst>
       <p:ext uri="{BB962C8B-B14F-4D97-AF65-F5344CB8AC3E}">
-        <p14:creationId xmlns:p14="http://schemas.microsoft.com/office/powerpoint/2010/main" val="52495645"/>
+        <p14:creationId xmlns:p14="http://schemas.microsoft.com/office/powerpoint/2010/main" val="453289156"/>
       </p:ext>
     </p:extLst>
   </p:cSld>
@@ -4934,8 +4796,8 @@
         </p:nvSpPr>
         <p:spPr>
           <a:xfrm>
-            <a:off x="382175" y="249048"/>
-            <a:ext cx="5938160" cy="816249"/>
+            <a:off x="392685" y="233628"/>
+            <a:ext cx="11106960" cy="830997"/>
           </a:xfrm>
           <a:prstGeom prst="rect">
             <a:avLst/>
@@ -4954,7 +4816,7 @@
               <a:defRPr/>
             </a:pPr>
             <a:r>
-              <a:rPr lang="en-US" altLang="ko-KR" sz="3600" b="1" i="1" kern="0" dirty="0" smtClean="0">
+              <a:rPr lang="en-US" altLang="ko-KR" sz="3200" b="1" i="1" kern="0" dirty="0">
                 <a:ln w="12700">
                   <a:solidFill>
                     <a:srgbClr val="F56342"/>
@@ -4962,10 +4824,10 @@
                 </a:ln>
                 <a:noFill/>
               </a:rPr>
-              <a:t>2. </a:t>
-            </a:r>
-            <a:r>
-              <a:rPr lang="ko-KR" altLang="en-US" sz="3600" b="1" i="1" kern="0" dirty="0" smtClean="0">
+              <a:t>2</a:t>
+            </a:r>
+            <a:r>
+              <a:rPr lang="en-US" altLang="ko-KR" sz="3200" b="1" i="1" kern="0" dirty="0" smtClean="0">
                 <a:ln w="12700">
                   <a:solidFill>
                     <a:srgbClr val="F56342"/>
@@ -4973,10 +4835,10 @@
                 </a:ln>
                 <a:noFill/>
               </a:rPr>
-              <a:t>처리</a:t>
-            </a:r>
-            <a:r>
-              <a:rPr lang="en-US" altLang="ko-KR" sz="3600" b="1" i="1" kern="0" dirty="0" smtClean="0">
+              <a:t>. </a:t>
+            </a:r>
+            <a:r>
+              <a:rPr lang="ko-KR" altLang="en-US" sz="3200" b="1" i="1" kern="0" dirty="0" smtClean="0">
                 <a:ln w="12700">
                   <a:solidFill>
                     <a:srgbClr val="F56342"/>
@@ -4984,53 +4846,9 @@
                 </a:ln>
                 <a:noFill/>
               </a:rPr>
-              <a:t>(</a:t>
-            </a:r>
-            <a:r>
-              <a:rPr lang="ko-KR" altLang="en-US" sz="3600" b="1" i="1" kern="0" dirty="0" smtClean="0">
-                <a:ln w="12700">
-                  <a:solidFill>
-                    <a:srgbClr val="F56342"/>
-                  </a:solidFill>
-                </a:ln>
-                <a:noFill/>
-              </a:rPr>
-              <a:t>순서</a:t>
-            </a:r>
-            <a:r>
-              <a:rPr lang="en-US" altLang="ko-KR" sz="3600" b="1" i="1" kern="0" dirty="0" smtClean="0">
-                <a:ln w="12700">
-                  <a:solidFill>
-                    <a:srgbClr val="F56342"/>
-                  </a:solidFill>
-                </a:ln>
-                <a:noFill/>
-              </a:rPr>
-              <a:t>,</a:t>
-            </a:r>
-            <a:r>
-              <a:rPr lang="ko-KR" altLang="en-US" sz="3600" b="1" i="1" kern="0" dirty="0" smtClean="0">
-                <a:ln w="12700">
-                  <a:solidFill>
-                    <a:srgbClr val="F56342"/>
-                  </a:solidFill>
-                </a:ln>
-                <a:noFill/>
-              </a:rPr>
-              <a:t>내용</a:t>
-            </a:r>
-            <a:r>
-              <a:rPr lang="en-US" altLang="ko-KR" sz="3600" b="1" i="1" kern="0" dirty="0" smtClean="0">
-                <a:ln w="12700">
-                  <a:solidFill>
-                    <a:srgbClr val="F56342"/>
-                  </a:solidFill>
-                </a:ln>
-                <a:noFill/>
-              </a:rPr>
-              <a:t>)</a:t>
-            </a:r>
-            <a:endParaRPr lang="en-US" altLang="ko-KR" sz="3600" b="1" i="1" kern="0" dirty="0" smtClean="0">
+              <a:t>개발환경</a:t>
+            </a:r>
+            <a:endParaRPr lang="ko-KR" altLang="en-US" sz="3200" b="1" i="1" kern="0" dirty="0">
               <a:ln w="12700">
                 <a:solidFill>
                   <a:srgbClr val="F56342"/>
@@ -5041,667 +4859,6 @@
           </a:p>
         </p:txBody>
       </p:sp>
-      <p:grpSp>
-        <p:nvGrpSpPr>
-          <p:cNvPr id="3" name="그룹 2"/>
-          <p:cNvGrpSpPr/>
-          <p:nvPr/>
-        </p:nvGrpSpPr>
-        <p:grpSpPr>
-          <a:xfrm>
-            <a:off x="4474502" y="1856912"/>
-            <a:ext cx="6993622" cy="1200329"/>
-            <a:chOff x="4411440" y="1825381"/>
-            <a:chExt cx="6993622" cy="1200329"/>
-          </a:xfrm>
-        </p:grpSpPr>
-        <p:sp>
-          <p:nvSpPr>
-            <p:cNvPr id="15" name="직사각형 14"/>
-            <p:cNvSpPr/>
-            <p:nvPr/>
-          </p:nvSpPr>
-          <p:spPr>
-            <a:xfrm>
-              <a:off x="4619036" y="1825381"/>
-              <a:ext cx="6578427" cy="1200329"/>
-            </a:xfrm>
-            <a:prstGeom prst="rect">
-              <a:avLst/>
-            </a:prstGeom>
-          </p:spPr>
-          <p:txBody>
-            <a:bodyPr wrap="square">
-              <a:spAutoFit/>
-            </a:bodyPr>
-            <a:lstStyle/>
-            <a:p>
-              <a:pPr>
-                <a:lnSpc>
-                  <a:spcPct val="150000"/>
-                </a:lnSpc>
-              </a:pPr>
-              <a:r>
-                <a:rPr lang="en-US" altLang="ko-KR" sz="1600" b="1" dirty="0">
-                  <a:solidFill>
-                    <a:prstClr val="white"/>
-                  </a:solidFill>
-                </a:rPr>
-                <a:t>1. </a:t>
-              </a:r>
-              <a:r>
-                <a:rPr lang="ko-KR" altLang="en-US" sz="1600" b="1" dirty="0">
-                  <a:solidFill>
-                    <a:prstClr val="white"/>
-                  </a:solidFill>
-                </a:rPr>
-                <a:t>내가 업무에 쓸 단위</a:t>
-              </a:r>
-              <a:endParaRPr lang="ko-KR" altLang="en-US" sz="1200" b="1" dirty="0">
-                <a:solidFill>
-                  <a:prstClr val="white"/>
-                </a:solidFill>
-              </a:endParaRPr>
-            </a:p>
-            <a:p>
-              <a:pPr>
-                <a:lnSpc>
-                  <a:spcPct val="150000"/>
-                </a:lnSpc>
-              </a:pPr>
-              <a:r>
-                <a:rPr lang="en-US" altLang="ko-KR" sz="1600" b="1" dirty="0" smtClean="0">
-                  <a:solidFill>
-                    <a:prstClr val="white"/>
-                  </a:solidFill>
-                </a:rPr>
-                <a:t>"</a:t>
-              </a:r>
-              <a:r>
-                <a:rPr lang="ko-KR" altLang="en-US" sz="1600" b="1" dirty="0">
-                  <a:solidFill>
-                    <a:prstClr val="white"/>
-                  </a:solidFill>
-                </a:rPr>
-                <a:t>센티미터</a:t>
-              </a:r>
-              <a:r>
-                <a:rPr lang="en-US" altLang="ko-KR" sz="1600" b="1" dirty="0">
-                  <a:solidFill>
-                    <a:prstClr val="white"/>
-                  </a:solidFill>
-                </a:rPr>
-                <a:t>", "</a:t>
-              </a:r>
-              <a:r>
-                <a:rPr lang="ko-KR" altLang="en-US" sz="1600" b="1" dirty="0">
-                  <a:solidFill>
-                    <a:prstClr val="white"/>
-                  </a:solidFill>
-                </a:rPr>
-                <a:t>미터</a:t>
-              </a:r>
-              <a:r>
-                <a:rPr lang="en-US" altLang="ko-KR" sz="1600" b="1" dirty="0">
-                  <a:solidFill>
-                    <a:prstClr val="white"/>
-                  </a:solidFill>
-                </a:rPr>
-                <a:t>", "</a:t>
-              </a:r>
-              <a:r>
-                <a:rPr lang="ko-KR" altLang="en-US" sz="1600" b="1" dirty="0">
-                  <a:solidFill>
-                    <a:prstClr val="white"/>
-                  </a:solidFill>
-                </a:rPr>
-                <a:t>킬로미터</a:t>
-              </a:r>
-              <a:r>
-                <a:rPr lang="en-US" altLang="ko-KR" sz="1600" b="1" dirty="0">
-                  <a:solidFill>
-                    <a:prstClr val="white"/>
-                  </a:solidFill>
-                </a:rPr>
-                <a:t>", "</a:t>
-              </a:r>
-              <a:r>
-                <a:rPr lang="ko-KR" altLang="en-US" sz="1600" b="1" dirty="0">
-                  <a:solidFill>
-                    <a:prstClr val="white"/>
-                  </a:solidFill>
-                </a:rPr>
-                <a:t>인치</a:t>
-              </a:r>
-              <a:r>
-                <a:rPr lang="en-US" altLang="ko-KR" sz="1600" b="1" dirty="0">
-                  <a:solidFill>
-                    <a:prstClr val="white"/>
-                  </a:solidFill>
-                </a:rPr>
-                <a:t>", "</a:t>
-              </a:r>
-              <a:r>
-                <a:rPr lang="ko-KR" altLang="en-US" sz="1600" b="1" dirty="0" smtClean="0">
-                  <a:solidFill>
-                    <a:prstClr val="white"/>
-                  </a:solidFill>
-                </a:rPr>
-                <a:t>피트</a:t>
-              </a:r>
-              <a:r>
-                <a:rPr lang="en-US" altLang="ko-KR" sz="1600" b="1" dirty="0" smtClean="0">
-                  <a:solidFill>
-                    <a:prstClr val="white"/>
-                  </a:solidFill>
-                </a:rPr>
-                <a:t>“ ,"</a:t>
-              </a:r>
-              <a:r>
-                <a:rPr lang="ko-KR" altLang="en-US" sz="1600" b="1" dirty="0">
-                  <a:solidFill>
-                    <a:prstClr val="white"/>
-                  </a:solidFill>
-                </a:rPr>
-                <a:t>야드</a:t>
-              </a:r>
-              <a:r>
-                <a:rPr lang="en-US" altLang="ko-KR" sz="1600" b="1" dirty="0">
-                  <a:solidFill>
-                    <a:prstClr val="white"/>
-                  </a:solidFill>
-                </a:rPr>
-                <a:t>", "</a:t>
-              </a:r>
-              <a:r>
-                <a:rPr lang="ko-KR" altLang="en-US" sz="1600" b="1" dirty="0">
-                  <a:solidFill>
-                    <a:prstClr val="white"/>
-                  </a:solidFill>
-                </a:rPr>
-                <a:t>마일</a:t>
-              </a:r>
-              <a:r>
-                <a:rPr lang="en-US" altLang="ko-KR" sz="1600" b="1" dirty="0">
-                  <a:solidFill>
-                    <a:prstClr val="white"/>
-                  </a:solidFill>
-                </a:rPr>
-                <a:t>", "</a:t>
-              </a:r>
-              <a:r>
-                <a:rPr lang="ko-KR" altLang="en-US" sz="1600" b="1" dirty="0">
-                  <a:solidFill>
-                    <a:prstClr val="white"/>
-                  </a:solidFill>
-                </a:rPr>
-                <a:t>자</a:t>
-              </a:r>
-              <a:r>
-                <a:rPr lang="en-US" altLang="ko-KR" sz="1600" b="1" dirty="0">
-                  <a:solidFill>
-                    <a:prstClr val="white"/>
-                  </a:solidFill>
-                </a:rPr>
-                <a:t>(</a:t>
-              </a:r>
-              <a:r>
-                <a:rPr lang="ko-KR" altLang="en-US" sz="1600" b="1" dirty="0">
-                  <a:solidFill>
-                    <a:prstClr val="white"/>
-                  </a:solidFill>
-                </a:rPr>
-                <a:t>척</a:t>
-              </a:r>
-              <a:r>
-                <a:rPr lang="en-US" altLang="ko-KR" sz="1600" b="1" dirty="0">
-                  <a:solidFill>
-                    <a:prstClr val="white"/>
-                  </a:solidFill>
-                </a:rPr>
-                <a:t>)", "</a:t>
-              </a:r>
-              <a:r>
-                <a:rPr lang="ko-KR" altLang="en-US" sz="1600" b="1" dirty="0">
-                  <a:solidFill>
-                    <a:prstClr val="white"/>
-                  </a:solidFill>
-                </a:rPr>
-                <a:t>간</a:t>
-              </a:r>
-              <a:r>
-                <a:rPr lang="en-US" altLang="ko-KR" sz="1600" b="1" dirty="0">
-                  <a:solidFill>
-                    <a:prstClr val="white"/>
-                  </a:solidFill>
-                </a:rPr>
-                <a:t>", "</a:t>
-              </a:r>
-              <a:r>
-                <a:rPr lang="ko-KR" altLang="en-US" sz="1600" b="1" dirty="0" smtClean="0">
-                  <a:solidFill>
-                    <a:prstClr val="white"/>
-                  </a:solidFill>
-                </a:rPr>
-                <a:t>리</a:t>
-              </a:r>
-              <a:r>
-                <a:rPr lang="en-US" altLang="ko-KR" sz="1600" b="1" dirty="0" smtClean="0">
-                  <a:solidFill>
-                    <a:prstClr val="white"/>
-                  </a:solidFill>
-                </a:rPr>
-                <a:t>“   </a:t>
-              </a:r>
-              <a:endParaRPr lang="ko-KR" altLang="en-US" sz="1200" b="1" dirty="0">
-                <a:solidFill>
-                  <a:prstClr val="white"/>
-                </a:solidFill>
-              </a:endParaRPr>
-            </a:p>
-          </p:txBody>
-        </p:sp>
-        <p:sp>
-          <p:nvSpPr>
-            <p:cNvPr id="16" name="모서리가 둥근 직사각형 15"/>
-            <p:cNvSpPr/>
-            <p:nvPr/>
-          </p:nvSpPr>
-          <p:spPr>
-            <a:xfrm>
-              <a:off x="4411440" y="1849551"/>
-              <a:ext cx="6993622" cy="1151991"/>
-            </a:xfrm>
-            <a:prstGeom prst="roundRect">
-              <a:avLst>
-                <a:gd name="adj" fmla="val 12746"/>
-              </a:avLst>
-            </a:prstGeom>
-            <a:noFill/>
-            <a:ln w="19050">
-              <a:solidFill>
-                <a:srgbClr val="F56342"/>
-              </a:solidFill>
-            </a:ln>
-          </p:spPr>
-          <p:style>
-            <a:lnRef idx="2">
-              <a:schemeClr val="accent1">
-                <a:shade val="50000"/>
-              </a:schemeClr>
-            </a:lnRef>
-            <a:fillRef idx="1">
-              <a:schemeClr val="accent1"/>
-            </a:fillRef>
-            <a:effectRef idx="0">
-              <a:schemeClr val="accent1"/>
-            </a:effectRef>
-            <a:fontRef idx="minor">
-              <a:schemeClr val="lt1"/>
-            </a:fontRef>
-          </p:style>
-          <p:txBody>
-            <a:bodyPr rtlCol="0" anchor="ctr"/>
-            <a:lstStyle/>
-            <a:p>
-              <a:pPr algn="ctr"/>
-              <a:endParaRPr lang="ko-KR" altLang="en-US">
-                <a:solidFill>
-                  <a:prstClr val="white"/>
-                </a:solidFill>
-              </a:endParaRPr>
-            </a:p>
-          </p:txBody>
-        </p:sp>
-      </p:grpSp>
-      <p:grpSp>
-        <p:nvGrpSpPr>
-          <p:cNvPr id="17" name="그룹 16"/>
-          <p:cNvGrpSpPr/>
-          <p:nvPr/>
-        </p:nvGrpSpPr>
-        <p:grpSpPr>
-          <a:xfrm>
-            <a:off x="4474501" y="3349701"/>
-            <a:ext cx="6993622" cy="1151991"/>
-            <a:chOff x="4411440" y="1849551"/>
-            <a:chExt cx="6993622" cy="1151991"/>
-          </a:xfrm>
-        </p:grpSpPr>
-        <p:sp>
-          <p:nvSpPr>
-            <p:cNvPr id="18" name="직사각형 17"/>
-            <p:cNvSpPr/>
-            <p:nvPr/>
-          </p:nvSpPr>
-          <p:spPr>
-            <a:xfrm>
-              <a:off x="4619037" y="1939713"/>
-              <a:ext cx="6578427" cy="1061829"/>
-            </a:xfrm>
-            <a:prstGeom prst="rect">
-              <a:avLst/>
-            </a:prstGeom>
-          </p:spPr>
-          <p:txBody>
-            <a:bodyPr wrap="square">
-              <a:spAutoFit/>
-            </a:bodyPr>
-            <a:lstStyle/>
-            <a:p>
-              <a:pPr>
-                <a:lnSpc>
-                  <a:spcPct val="150000"/>
-                </a:lnSpc>
-              </a:pPr>
-              <a:r>
-                <a:rPr lang="en-US" altLang="ko-KR" sz="1400" b="1" dirty="0" smtClean="0">
-                  <a:solidFill>
-                    <a:prstClr val="white"/>
-                  </a:solidFill>
-                </a:rPr>
-                <a:t>2. </a:t>
-              </a:r>
-              <a:r>
-                <a:rPr lang="en-US" altLang="ko-KR" sz="1400" b="1" dirty="0" smtClean="0">
-                  <a:solidFill>
-                    <a:prstClr val="white"/>
-                  </a:solidFill>
-                </a:rPr>
-                <a:t>ex) 2000m </a:t>
-              </a:r>
-              <a:r>
-                <a:rPr lang="ko-KR" altLang="en-US" sz="1400" b="1" dirty="0" smtClean="0">
-                  <a:solidFill>
-                    <a:prstClr val="white"/>
-                  </a:solidFill>
-                </a:rPr>
-                <a:t>를 </a:t>
-              </a:r>
-              <a:r>
-                <a:rPr lang="en-US" altLang="ko-KR" sz="1400" b="1" dirty="0" smtClean="0">
-                  <a:solidFill>
-                    <a:prstClr val="white"/>
-                  </a:solidFill>
-                </a:rPr>
-                <a:t>km</a:t>
-              </a:r>
-              <a:r>
-                <a:rPr lang="ko-KR" altLang="en-US" sz="1400" b="1" dirty="0" smtClean="0">
-                  <a:solidFill>
-                    <a:prstClr val="white"/>
-                  </a:solidFill>
-                </a:rPr>
-                <a:t>단위로 변환하기 위해서는 </a:t>
-              </a:r>
-              <a:endParaRPr lang="en-US" altLang="ko-KR" sz="1400" b="1" dirty="0" smtClean="0">
-                <a:solidFill>
-                  <a:prstClr val="white"/>
-                </a:solidFill>
-              </a:endParaRPr>
-            </a:p>
-            <a:p>
-              <a:pPr>
-                <a:lnSpc>
-                  <a:spcPct val="150000"/>
-                </a:lnSpc>
-              </a:pPr>
-              <a:r>
-                <a:rPr lang="en-US" altLang="ko-KR" sz="1400" b="1" dirty="0" smtClean="0">
-                  <a:solidFill>
-                    <a:prstClr val="white"/>
-                  </a:solidFill>
-                </a:rPr>
-                <a:t>2000m </a:t>
-              </a:r>
-              <a:r>
-                <a:rPr lang="ko-KR" altLang="en-US" sz="1400" b="1" dirty="0" smtClean="0">
-                  <a:solidFill>
-                    <a:prstClr val="white"/>
-                  </a:solidFill>
-                </a:rPr>
-                <a:t>값을 먼저 받아 변수에 넣고 수식에 변수를 넣어 </a:t>
-              </a:r>
-              <a:r>
-                <a:rPr lang="en-US" altLang="ko-KR" sz="1400" b="1" dirty="0" smtClean="0">
-                  <a:solidFill>
-                    <a:prstClr val="white"/>
-                  </a:solidFill>
-                </a:rPr>
-                <a:t>km </a:t>
-              </a:r>
-              <a:r>
-                <a:rPr lang="ko-KR" altLang="en-US" sz="1400" b="1" dirty="0" smtClean="0">
-                  <a:solidFill>
-                    <a:prstClr val="white"/>
-                  </a:solidFill>
-                </a:rPr>
-                <a:t>로 변환 해서</a:t>
-              </a:r>
-              <a:endParaRPr lang="en-US" altLang="ko-KR" sz="1400" b="1" dirty="0" smtClean="0">
-                <a:solidFill>
-                  <a:prstClr val="white"/>
-                </a:solidFill>
-              </a:endParaRPr>
-            </a:p>
-            <a:p>
-              <a:pPr>
-                <a:lnSpc>
-                  <a:spcPct val="150000"/>
-                </a:lnSpc>
-              </a:pPr>
-              <a:r>
-                <a:rPr lang="ko-KR" altLang="en-US" sz="1400" b="1" dirty="0" smtClean="0">
-                  <a:solidFill>
-                    <a:prstClr val="white"/>
-                  </a:solidFill>
-                </a:rPr>
-                <a:t>보여주자</a:t>
-              </a:r>
-              <a:endParaRPr lang="en-US" altLang="ko-KR" sz="1400" b="1" dirty="0" smtClean="0">
-                <a:solidFill>
-                  <a:prstClr val="white"/>
-                </a:solidFill>
-              </a:endParaRPr>
-            </a:p>
-          </p:txBody>
-        </p:sp>
-        <p:sp>
-          <p:nvSpPr>
-            <p:cNvPr id="19" name="모서리가 둥근 직사각형 18"/>
-            <p:cNvSpPr/>
-            <p:nvPr/>
-          </p:nvSpPr>
-          <p:spPr>
-            <a:xfrm>
-              <a:off x="4411440" y="1849551"/>
-              <a:ext cx="6993622" cy="1151991"/>
-            </a:xfrm>
-            <a:prstGeom prst="roundRect">
-              <a:avLst>
-                <a:gd name="adj" fmla="val 12746"/>
-              </a:avLst>
-            </a:prstGeom>
-            <a:noFill/>
-            <a:ln w="19050">
-              <a:solidFill>
-                <a:srgbClr val="F56342"/>
-              </a:solidFill>
-            </a:ln>
-          </p:spPr>
-          <p:style>
-            <a:lnRef idx="2">
-              <a:schemeClr val="accent1">
-                <a:shade val="50000"/>
-              </a:schemeClr>
-            </a:lnRef>
-            <a:fillRef idx="1">
-              <a:schemeClr val="accent1"/>
-            </a:fillRef>
-            <a:effectRef idx="0">
-              <a:schemeClr val="accent1"/>
-            </a:effectRef>
-            <a:fontRef idx="minor">
-              <a:schemeClr val="lt1"/>
-            </a:fontRef>
-          </p:style>
-          <p:txBody>
-            <a:bodyPr rtlCol="0" anchor="ctr"/>
-            <a:lstStyle/>
-            <a:p>
-              <a:pPr algn="ctr"/>
-              <a:endParaRPr lang="ko-KR" altLang="en-US">
-                <a:solidFill>
-                  <a:prstClr val="white"/>
-                </a:solidFill>
-              </a:endParaRPr>
-            </a:p>
-          </p:txBody>
-        </p:sp>
-      </p:grpSp>
-      <p:grpSp>
-        <p:nvGrpSpPr>
-          <p:cNvPr id="20" name="그룹 19"/>
-          <p:cNvGrpSpPr/>
-          <p:nvPr/>
-        </p:nvGrpSpPr>
-        <p:grpSpPr>
-          <a:xfrm>
-            <a:off x="4474501" y="4818320"/>
-            <a:ext cx="6993622" cy="1151991"/>
-            <a:chOff x="4411440" y="1849551"/>
-            <a:chExt cx="6993622" cy="1151991"/>
-          </a:xfrm>
-        </p:grpSpPr>
-        <p:sp>
-          <p:nvSpPr>
-            <p:cNvPr id="21" name="직사각형 20"/>
-            <p:cNvSpPr/>
-            <p:nvPr/>
-          </p:nvSpPr>
-          <p:spPr>
-            <a:xfrm>
-              <a:off x="4619037" y="1917714"/>
-              <a:ext cx="6578427" cy="830997"/>
-            </a:xfrm>
-            <a:prstGeom prst="rect">
-              <a:avLst/>
-            </a:prstGeom>
-          </p:spPr>
-          <p:txBody>
-            <a:bodyPr wrap="square">
-              <a:spAutoFit/>
-            </a:bodyPr>
-            <a:lstStyle/>
-            <a:p>
-              <a:pPr>
-                <a:lnSpc>
-                  <a:spcPct val="150000"/>
-                </a:lnSpc>
-              </a:pPr>
-              <a:r>
-                <a:rPr lang="en-US" altLang="ko-KR" sz="1600" b="1" dirty="0" smtClean="0">
-                  <a:solidFill>
-                    <a:prstClr val="white"/>
-                  </a:solidFill>
-                </a:rPr>
-                <a:t>3. </a:t>
-              </a:r>
-              <a:r>
-                <a:rPr lang="ko-KR" altLang="en-US" sz="1600" b="1" dirty="0" smtClean="0">
-                  <a:solidFill>
-                    <a:prstClr val="white"/>
-                  </a:solidFill>
-                </a:rPr>
-                <a:t>오른쪽 그림과 같이 직선형으로 된 알고리즘으로 계산 될 것이다</a:t>
-              </a:r>
-              <a:r>
-                <a:rPr lang="en-US" altLang="ko-KR" sz="1600" b="1" dirty="0" smtClean="0">
-                  <a:solidFill>
-                    <a:prstClr val="white"/>
-                  </a:solidFill>
-                </a:rPr>
-                <a:t>.</a:t>
-              </a:r>
-            </a:p>
-            <a:p>
-              <a:pPr>
-                <a:lnSpc>
-                  <a:spcPct val="150000"/>
-                </a:lnSpc>
-              </a:pPr>
-              <a:r>
-                <a:rPr lang="ko-KR" altLang="en-US" sz="1600" b="1" dirty="0" smtClean="0">
-                  <a:solidFill>
-                    <a:prstClr val="white"/>
-                  </a:solidFill>
-                </a:rPr>
-                <a:t>프로그램 작성을 해보자</a:t>
-              </a:r>
-              <a:r>
-                <a:rPr lang="en-US" altLang="ko-KR" sz="1600" b="1" dirty="0" smtClean="0">
-                  <a:solidFill>
-                    <a:prstClr val="white"/>
-                  </a:solidFill>
-                </a:rPr>
-                <a:t>.</a:t>
-              </a:r>
-            </a:p>
-          </p:txBody>
-        </p:sp>
-        <p:sp>
-          <p:nvSpPr>
-            <p:cNvPr id="22" name="모서리가 둥근 직사각형 21"/>
-            <p:cNvSpPr/>
-            <p:nvPr/>
-          </p:nvSpPr>
-          <p:spPr>
-            <a:xfrm>
-              <a:off x="4411440" y="1849551"/>
-              <a:ext cx="6993622" cy="1151991"/>
-            </a:xfrm>
-            <a:prstGeom prst="roundRect">
-              <a:avLst>
-                <a:gd name="adj" fmla="val 12746"/>
-              </a:avLst>
-            </a:prstGeom>
-            <a:noFill/>
-            <a:ln w="19050">
-              <a:solidFill>
-                <a:srgbClr val="F56342"/>
-              </a:solidFill>
-            </a:ln>
-          </p:spPr>
-          <p:style>
-            <a:lnRef idx="2">
-              <a:schemeClr val="accent1">
-                <a:shade val="50000"/>
-              </a:schemeClr>
-            </a:lnRef>
-            <a:fillRef idx="1">
-              <a:schemeClr val="accent1"/>
-            </a:fillRef>
-            <a:effectRef idx="0">
-              <a:schemeClr val="accent1"/>
-            </a:effectRef>
-            <a:fontRef idx="minor">
-              <a:schemeClr val="lt1"/>
-            </a:fontRef>
-          </p:style>
-          <p:txBody>
-            <a:bodyPr rtlCol="0" anchor="ctr"/>
-            <a:lstStyle/>
-            <a:p>
-              <a:pPr algn="ctr"/>
-              <a:endParaRPr lang="ko-KR" altLang="en-US">
-                <a:solidFill>
-                  <a:prstClr val="white"/>
-                </a:solidFill>
-              </a:endParaRPr>
-            </a:p>
-          </p:txBody>
-        </p:sp>
-      </p:grpSp>
       <p:pic>
         <p:nvPicPr>
           <p:cNvPr id="2" name="그림 1"/>
@@ -5724,8 +4881,158 @@
         </p:blipFill>
         <p:spPr>
           <a:xfrm>
-            <a:off x="657789" y="1820848"/>
-            <a:ext cx="3449637" cy="3868752"/>
+            <a:off x="258490" y="962565"/>
+            <a:ext cx="5411381" cy="1944209"/>
+          </a:xfrm>
+          <a:prstGeom prst="rect">
+            <a:avLst/>
+          </a:prstGeom>
+        </p:spPr>
+      </p:pic>
+      <p:pic>
+        <p:nvPicPr>
+          <p:cNvPr id="4" name="그림 3"/>
+          <p:cNvPicPr>
+            <a:picLocks noChangeAspect="1"/>
+          </p:cNvPicPr>
+          <p:nvPr/>
+        </p:nvPicPr>
+        <p:blipFill>
+          <a:blip r:embed="rId3">
+            <a:extLst>
+              <a:ext uri="{28A0092B-C50C-407E-A947-70E740481C1C}">
+                <a14:useLocalDpi xmlns:a14="http://schemas.microsoft.com/office/drawing/2010/main" val="0"/>
+              </a:ext>
+            </a:extLst>
+          </a:blip>
+          <a:stretch>
+            <a:fillRect/>
+          </a:stretch>
+        </p:blipFill>
+        <p:spPr>
+          <a:xfrm>
+            <a:off x="258489" y="2868063"/>
+            <a:ext cx="5411381" cy="945215"/>
+          </a:xfrm>
+          <a:prstGeom prst="rect">
+            <a:avLst/>
+          </a:prstGeom>
+        </p:spPr>
+      </p:pic>
+      <p:pic>
+        <p:nvPicPr>
+          <p:cNvPr id="5" name="그림 4"/>
+          <p:cNvPicPr>
+            <a:picLocks noChangeAspect="1"/>
+          </p:cNvPicPr>
+          <p:nvPr/>
+        </p:nvPicPr>
+        <p:blipFill>
+          <a:blip r:embed="rId4">
+            <a:extLst>
+              <a:ext uri="{28A0092B-C50C-407E-A947-70E740481C1C}">
+                <a14:useLocalDpi xmlns:a14="http://schemas.microsoft.com/office/drawing/2010/main" val="0"/>
+              </a:ext>
+            </a:extLst>
+          </a:blip>
+          <a:stretch>
+            <a:fillRect/>
+          </a:stretch>
+        </p:blipFill>
+        <p:spPr>
+          <a:xfrm>
+            <a:off x="5669870" y="969471"/>
+            <a:ext cx="6081287" cy="2843808"/>
+          </a:xfrm>
+          <a:prstGeom prst="rect">
+            <a:avLst/>
+          </a:prstGeom>
+        </p:spPr>
+      </p:pic>
+      <p:pic>
+        <p:nvPicPr>
+          <p:cNvPr id="6" name="그림 5"/>
+          <p:cNvPicPr>
+            <a:picLocks noChangeAspect="1"/>
+          </p:cNvPicPr>
+          <p:nvPr/>
+        </p:nvPicPr>
+        <p:blipFill>
+          <a:blip r:embed="rId5">
+            <a:extLst>
+              <a:ext uri="{28A0092B-C50C-407E-A947-70E740481C1C}">
+                <a14:useLocalDpi xmlns:a14="http://schemas.microsoft.com/office/drawing/2010/main" val="0"/>
+              </a:ext>
+            </a:extLst>
+          </a:blip>
+          <a:stretch>
+            <a:fillRect/>
+          </a:stretch>
+        </p:blipFill>
+        <p:spPr>
+          <a:xfrm>
+            <a:off x="5669869" y="3813279"/>
+            <a:ext cx="3406398" cy="3044722"/>
+          </a:xfrm>
+          <a:prstGeom prst="rect">
+            <a:avLst/>
+          </a:prstGeom>
+        </p:spPr>
+      </p:pic>
+      <p:pic>
+        <p:nvPicPr>
+          <p:cNvPr id="7" name="그림 6"/>
+          <p:cNvPicPr>
+            <a:picLocks noChangeAspect="1"/>
+          </p:cNvPicPr>
+          <p:nvPr/>
+        </p:nvPicPr>
+        <p:blipFill>
+          <a:blip r:embed="rId6">
+            <a:extLst>
+              <a:ext uri="{28A0092B-C50C-407E-A947-70E740481C1C}">
+                <a14:useLocalDpi xmlns:a14="http://schemas.microsoft.com/office/drawing/2010/main" val="0"/>
+              </a:ext>
+            </a:extLst>
+          </a:blip>
+          <a:stretch>
+            <a:fillRect/>
+          </a:stretch>
+        </p:blipFill>
+        <p:spPr>
+          <a:xfrm>
+            <a:off x="9076267" y="3813278"/>
+            <a:ext cx="2674890" cy="3044722"/>
+          </a:xfrm>
+          <a:prstGeom prst="rect">
+            <a:avLst/>
+          </a:prstGeom>
+        </p:spPr>
+      </p:pic>
+      <p:pic>
+        <p:nvPicPr>
+          <p:cNvPr id="8" name="그림 7"/>
+          <p:cNvPicPr>
+            <a:picLocks noChangeAspect="1"/>
+          </p:cNvPicPr>
+          <p:nvPr/>
+        </p:nvPicPr>
+        <p:blipFill>
+          <a:blip r:embed="rId7">
+            <a:extLst>
+              <a:ext uri="{28A0092B-C50C-407E-A947-70E740481C1C}">
+                <a14:useLocalDpi xmlns:a14="http://schemas.microsoft.com/office/drawing/2010/main" val="0"/>
+              </a:ext>
+            </a:extLst>
+          </a:blip>
+          <a:stretch>
+            <a:fillRect/>
+          </a:stretch>
+        </p:blipFill>
+        <p:spPr>
+          <a:xfrm>
+            <a:off x="258488" y="3813278"/>
+            <a:ext cx="5411380" cy="3044722"/>
           </a:xfrm>
           <a:prstGeom prst="rect">
             <a:avLst/>
@@ -5735,7 +5042,7 @@
     </p:spTree>
     <p:extLst>
       <p:ext uri="{BB962C8B-B14F-4D97-AF65-F5344CB8AC3E}">
-        <p14:creationId xmlns:p14="http://schemas.microsoft.com/office/powerpoint/2010/main" val="4148395850"/>
+        <p14:creationId xmlns:p14="http://schemas.microsoft.com/office/powerpoint/2010/main" val="773548955"/>
       </p:ext>
     </p:extLst>
   </p:cSld>
@@ -5787,14 +5094,14 @@
       </p:grpSpPr>
       <p:sp>
         <p:nvSpPr>
-          <p:cNvPr id="5" name="직사각형 4"/>
+          <p:cNvPr id="14" name="직사각형 13"/>
           <p:cNvSpPr/>
           <p:nvPr/>
         </p:nvSpPr>
         <p:spPr>
           <a:xfrm>
-            <a:off x="595885" y="425377"/>
-            <a:ext cx="5938160" cy="816249"/>
+            <a:off x="392685" y="233628"/>
+            <a:ext cx="11106960" cy="830997"/>
           </a:xfrm>
           <a:prstGeom prst="rect">
             <a:avLst/>
@@ -5813,7 +5120,7 @@
               <a:defRPr/>
             </a:pPr>
             <a:r>
-              <a:rPr lang="en-US" altLang="ko-KR" sz="3600" b="1" i="1" kern="0" dirty="0" smtClean="0">
+              <a:rPr lang="en-US" altLang="ko-KR" sz="3200" b="1" i="1" kern="0" dirty="0">
                 <a:ln w="12700">
                   <a:solidFill>
                     <a:srgbClr val="F56342"/>
@@ -5821,10 +5128,10 @@
                 </a:ln>
                 <a:noFill/>
               </a:rPr>
-              <a:t>3. </a:t>
-            </a:r>
-            <a:r>
-              <a:rPr lang="ko-KR" altLang="en-US" sz="3600" b="1" i="1" kern="0" dirty="0" smtClean="0">
+              <a:t>3</a:t>
+            </a:r>
+            <a:r>
+              <a:rPr lang="en-US" altLang="ko-KR" sz="3200" b="1" i="1" kern="0" dirty="0" smtClean="0">
                 <a:ln w="12700">
                   <a:solidFill>
                     <a:srgbClr val="F56342"/>
@@ -5832,10 +5139,10 @@
                 </a:ln>
                 <a:noFill/>
               </a:rPr>
-              <a:t>프로그램 작성 </a:t>
-            </a:r>
-            <a:r>
-              <a:rPr lang="en-US" altLang="ko-KR" sz="3600" b="1" i="1" kern="0" dirty="0" smtClean="0">
+              <a:t>. </a:t>
+            </a:r>
+            <a:r>
+              <a:rPr lang="en-US" altLang="ko-KR" sz="3200" b="1" i="1" kern="0" dirty="0" err="1">
                 <a:ln w="12700">
                   <a:solidFill>
                     <a:srgbClr val="F56342"/>
@@ -5843,10 +5150,10 @@
                 </a:ln>
                 <a:noFill/>
               </a:rPr>
-              <a:t>,</a:t>
-            </a:r>
-            <a:r>
-              <a:rPr lang="ko-KR" altLang="en-US" sz="3600" b="1" i="1" kern="0" dirty="0" smtClean="0">
+              <a:t>Git</a:t>
+            </a:r>
+            <a:r>
+              <a:rPr lang="en-US" altLang="ko-KR" sz="3200" b="1" i="1" kern="0" dirty="0">
                 <a:ln w="12700">
                   <a:solidFill>
                     <a:srgbClr val="F56342"/>
@@ -5854,705 +5161,70 @@
                 </a:ln>
                 <a:noFill/>
               </a:rPr>
-              <a:t>완성</a:t>
-            </a:r>
-            <a:endParaRPr lang="en-US" altLang="ko-KR" sz="3600" b="1" i="1" kern="0" dirty="0" smtClean="0">
-              <a:ln w="12700">
-                <a:solidFill>
-                  <a:srgbClr val="F56342"/>
-                </a:solidFill>
-              </a:ln>
-              <a:noFill/>
-            </a:endParaRPr>
-          </a:p>
-        </p:txBody>
-      </p:sp>
-      <p:sp>
-        <p:nvSpPr>
-          <p:cNvPr id="4" name="TextBox 3"/>
-          <p:cNvSpPr txBox="1"/>
+              <a:t> </a:t>
+            </a:r>
+            <a:r>
+              <a:rPr lang="ko-KR" altLang="en-US" sz="3200" b="1" i="1" kern="0" dirty="0">
+                <a:ln w="12700">
+                  <a:solidFill>
+                    <a:srgbClr val="F56342"/>
+                  </a:solidFill>
+                </a:ln>
+                <a:noFill/>
+              </a:rPr>
+              <a:t>병합 화면</a:t>
+            </a:r>
+          </a:p>
+        </p:txBody>
+      </p:sp>
+      <p:pic>
+        <p:nvPicPr>
+          <p:cNvPr id="3" name="그림 2"/>
+          <p:cNvPicPr>
+            <a:picLocks noChangeAspect="1"/>
+          </p:cNvPicPr>
           <p:nvPr/>
-        </p:nvSpPr>
+        </p:nvPicPr>
+        <p:blipFill>
+          <a:blip r:embed="rId2">
+            <a:extLst>
+              <a:ext uri="{28A0092B-C50C-407E-A947-70E740481C1C}">
+                <a14:useLocalDpi xmlns:a14="http://schemas.microsoft.com/office/drawing/2010/main" val="0"/>
+              </a:ext>
+            </a:extLst>
+          </a:blip>
+          <a:stretch>
+            <a:fillRect/>
+          </a:stretch>
+        </p:blipFill>
         <p:spPr>
           <a:xfrm>
-            <a:off x="3564965" y="-1688540"/>
-            <a:ext cx="3894169" cy="646331"/>
-          </a:xfrm>
-          <a:prstGeom prst="rect">
-            <a:avLst/>
-          </a:prstGeom>
-          <a:noFill/>
-        </p:spPr>
-        <p:txBody>
-          <a:bodyPr wrap="square" rtlCol="0">
-            <a:spAutoFit/>
-          </a:bodyPr>
-          <a:lstStyle/>
-          <a:p>
-            <a:r>
-              <a:rPr lang="en-US" altLang="ko-KR" sz="3600" i="1" dirty="0" err="1" smtClean="0">
-                <a:solidFill>
-                  <a:prstClr val="white"/>
-                </a:solidFill>
-              </a:rPr>
-              <a:t>patagonia</a:t>
-            </a:r>
-            <a:endParaRPr lang="ko-KR" altLang="en-US" sz="3600" i="1" dirty="0">
-              <a:solidFill>
-                <a:prstClr val="white"/>
-              </a:solidFill>
-            </a:endParaRPr>
-          </a:p>
-        </p:txBody>
-      </p:sp>
-      <p:sp>
-        <p:nvSpPr>
-          <p:cNvPr id="7" name="모서리가 둥근 직사각형 6"/>
-          <p:cNvSpPr/>
-          <p:nvPr/>
-        </p:nvSpPr>
-        <p:spPr>
-          <a:xfrm>
-            <a:off x="595885" y="1180407"/>
-            <a:ext cx="11081765" cy="5602777"/>
-          </a:xfrm>
-          <a:prstGeom prst="roundRect">
-            <a:avLst>
-              <a:gd name="adj" fmla="val 12746"/>
-            </a:avLst>
-          </a:prstGeom>
-          <a:noFill/>
-          <a:ln w="19050">
-            <a:solidFill>
-              <a:srgbClr val="F56342"/>
-            </a:solidFill>
-          </a:ln>
-        </p:spPr>
-        <p:style>
-          <a:lnRef idx="2">
-            <a:schemeClr val="accent1">
-              <a:shade val="50000"/>
-            </a:schemeClr>
-          </a:lnRef>
-          <a:fillRef idx="1">
-            <a:schemeClr val="accent1"/>
-          </a:fillRef>
-          <a:effectRef idx="0">
-            <a:schemeClr val="accent1"/>
-          </a:effectRef>
-          <a:fontRef idx="minor">
-            <a:schemeClr val="lt1"/>
-          </a:fontRef>
-        </p:style>
-        <p:txBody>
-          <a:bodyPr anchor="ctr"/>
-          <a:lstStyle/>
-          <a:p>
-            <a:pPr algn="ctr">
-              <a:defRPr/>
-            </a:pPr>
-            <a:endParaRPr lang="ko-KR" altLang="en-US">
-              <a:solidFill>
-                <a:prstClr val="white"/>
-              </a:solidFill>
-            </a:endParaRPr>
-          </a:p>
-        </p:txBody>
-      </p:sp>
-      <p:sp>
-        <p:nvSpPr>
-          <p:cNvPr id="2" name="직사각형 1"/>
-          <p:cNvSpPr/>
-          <p:nvPr/>
-        </p:nvSpPr>
-        <p:spPr>
-          <a:xfrm>
-            <a:off x="870065" y="1412661"/>
-            <a:ext cx="4799216" cy="5093702"/>
+            <a:off x="0" y="969469"/>
+            <a:ext cx="12140185" cy="4584664"/>
           </a:xfrm>
           <a:prstGeom prst="rect">
             <a:avLst/>
           </a:prstGeom>
         </p:spPr>
-        <p:txBody>
-          <a:bodyPr wrap="square">
-            <a:spAutoFit/>
-          </a:bodyPr>
-          <a:lstStyle/>
-          <a:p>
-            <a:r>
-              <a:rPr lang="en-US" altLang="ko-KR" sz="1300" dirty="0" smtClean="0"/>
-              <a:t>char </a:t>
-            </a:r>
-            <a:r>
-              <a:rPr lang="en-US" altLang="ko-KR" sz="1300" dirty="0"/>
-              <a:t>*</a:t>
-            </a:r>
-            <a:r>
-              <a:rPr lang="en-US" altLang="ko-KR" sz="1300" dirty="0" err="1"/>
-              <a:t>ms_char</a:t>
-            </a:r>
-            <a:r>
-              <a:rPr lang="en-US" altLang="ko-KR" sz="1300" dirty="0"/>
-              <a:t>[10]={"</a:t>
-            </a:r>
-            <a:r>
-              <a:rPr lang="ko-KR" altLang="en-US" sz="1300" dirty="0"/>
-              <a:t>센티미터</a:t>
-            </a:r>
-            <a:r>
-              <a:rPr lang="en-US" altLang="ko-KR" sz="1300" dirty="0"/>
-              <a:t>", "</a:t>
-            </a:r>
-            <a:r>
-              <a:rPr lang="ko-KR" altLang="en-US" sz="1300" dirty="0"/>
-              <a:t>미터</a:t>
-            </a:r>
-            <a:r>
-              <a:rPr lang="en-US" altLang="ko-KR" sz="1300" dirty="0"/>
-              <a:t>", "</a:t>
-            </a:r>
-            <a:r>
-              <a:rPr lang="ko-KR" altLang="en-US" sz="1300" dirty="0" smtClean="0"/>
-              <a:t>킬로미터</a:t>
-            </a:r>
-            <a:r>
-              <a:rPr lang="en-US" altLang="ko-KR" sz="1300" dirty="0" smtClean="0"/>
-              <a:t>", "</a:t>
-            </a:r>
-            <a:r>
-              <a:rPr lang="ko-KR" altLang="en-US" sz="1300" dirty="0" smtClean="0"/>
-              <a:t>인치</a:t>
-            </a:r>
-            <a:r>
-              <a:rPr lang="en-US" altLang="ko-KR" sz="1300" dirty="0" smtClean="0"/>
-              <a:t>", "</a:t>
-            </a:r>
-            <a:r>
-              <a:rPr lang="ko-KR" altLang="en-US" sz="1300" dirty="0" smtClean="0"/>
-              <a:t>피트</a:t>
-            </a:r>
-            <a:r>
-              <a:rPr lang="en-US" altLang="ko-KR" sz="1300" dirty="0" smtClean="0"/>
-              <a:t>"</a:t>
-            </a:r>
-            <a:endParaRPr lang="en-US" altLang="ko-KR" sz="1300" dirty="0"/>
-          </a:p>
-          <a:p>
-            <a:r>
-              <a:rPr lang="en-US" altLang="ko-KR" sz="1300" dirty="0"/>
-              <a:t>		 </a:t>
-            </a:r>
-            <a:r>
-              <a:rPr lang="en-US" altLang="ko-KR" sz="1300" dirty="0" smtClean="0"/>
-              <a:t>,"</a:t>
-            </a:r>
-            <a:r>
-              <a:rPr lang="ko-KR" altLang="en-US" sz="1300" dirty="0" smtClean="0"/>
-              <a:t>야드</a:t>
-            </a:r>
-            <a:r>
-              <a:rPr lang="en-US" altLang="ko-KR" sz="1300" dirty="0" smtClean="0"/>
-              <a:t>", "</a:t>
-            </a:r>
-            <a:r>
-              <a:rPr lang="ko-KR" altLang="en-US" sz="1300" dirty="0" smtClean="0"/>
-              <a:t>마일</a:t>
-            </a:r>
-            <a:r>
-              <a:rPr lang="en-US" altLang="ko-KR" sz="1300" dirty="0" smtClean="0"/>
-              <a:t>", "</a:t>
-            </a:r>
-            <a:r>
-              <a:rPr lang="ko-KR" altLang="en-US" sz="1300" dirty="0" smtClean="0"/>
-              <a:t>자</a:t>
-            </a:r>
-            <a:r>
-              <a:rPr lang="en-US" altLang="ko-KR" sz="1300" dirty="0"/>
-              <a:t>(</a:t>
-            </a:r>
-            <a:r>
-              <a:rPr lang="ko-KR" altLang="en-US" sz="1300" dirty="0"/>
-              <a:t>척</a:t>
-            </a:r>
-            <a:r>
-              <a:rPr lang="en-US" altLang="ko-KR" sz="1300" dirty="0" smtClean="0"/>
-              <a:t>)", "</a:t>
-            </a:r>
-            <a:r>
-              <a:rPr lang="ko-KR" altLang="en-US" sz="1300" dirty="0" smtClean="0"/>
-              <a:t>간</a:t>
-            </a:r>
-            <a:r>
-              <a:rPr lang="en-US" altLang="ko-KR" sz="1300" dirty="0" smtClean="0"/>
-              <a:t>", "</a:t>
-            </a:r>
-            <a:r>
-              <a:rPr lang="ko-KR" altLang="en-US" sz="1300" dirty="0" smtClean="0"/>
-              <a:t>리</a:t>
-            </a:r>
-            <a:r>
-              <a:rPr lang="en-US" altLang="ko-KR" sz="1300" dirty="0" smtClean="0"/>
-              <a:t>"};</a:t>
-            </a:r>
-            <a:endParaRPr lang="en-US" altLang="ko-KR" sz="1300" dirty="0"/>
-          </a:p>
-          <a:p>
-            <a:r>
-              <a:rPr lang="en-US" altLang="ko-KR" sz="1300" dirty="0" smtClean="0"/>
-              <a:t>void </a:t>
-            </a:r>
-            <a:r>
-              <a:rPr lang="en-US" altLang="ko-KR" sz="1300" dirty="0" err="1"/>
-              <a:t>print_distance_unit</a:t>
-            </a:r>
-            <a:r>
-              <a:rPr lang="en-US" altLang="ko-KR" sz="1300" dirty="0"/>
-              <a:t>(void);</a:t>
-            </a:r>
-          </a:p>
-          <a:p>
-            <a:r>
-              <a:rPr lang="en-US" altLang="ko-KR" sz="1300" dirty="0"/>
-              <a:t>void </a:t>
-            </a:r>
-            <a:r>
-              <a:rPr lang="en-US" altLang="ko-KR" sz="1300" dirty="0" err="1"/>
-              <a:t>measure_calculate</a:t>
-            </a:r>
-            <a:r>
-              <a:rPr lang="en-US" altLang="ko-KR" sz="1300" dirty="0"/>
-              <a:t>(</a:t>
-            </a:r>
-            <a:r>
-              <a:rPr lang="en-US" altLang="ko-KR" sz="1300" dirty="0" err="1"/>
-              <a:t>int</a:t>
-            </a:r>
-            <a:r>
-              <a:rPr lang="en-US" altLang="ko-KR" sz="1300" dirty="0"/>
-              <a:t> basic, </a:t>
-            </a:r>
-            <a:r>
-              <a:rPr lang="en-US" altLang="ko-KR" sz="1300" dirty="0" err="1"/>
-              <a:t>int</a:t>
-            </a:r>
-            <a:r>
-              <a:rPr lang="en-US" altLang="ko-KR" sz="1300" dirty="0"/>
-              <a:t> </a:t>
-            </a:r>
-            <a:r>
-              <a:rPr lang="en-US" altLang="ko-KR" sz="1300" dirty="0" err="1"/>
-              <a:t>transe</a:t>
-            </a:r>
-            <a:r>
-              <a:rPr lang="en-US" altLang="ko-KR" sz="1300" dirty="0"/>
-              <a:t>, double measure);</a:t>
-            </a:r>
-          </a:p>
-          <a:p>
-            <a:endParaRPr lang="en-US" altLang="ko-KR" sz="1300" dirty="0"/>
-          </a:p>
-          <a:p>
-            <a:r>
-              <a:rPr lang="en-US" altLang="ko-KR" sz="1300" dirty="0" err="1"/>
-              <a:t>int</a:t>
-            </a:r>
-            <a:r>
-              <a:rPr lang="en-US" altLang="ko-KR" sz="1300" dirty="0"/>
-              <a:t> main(void)</a:t>
-            </a:r>
-          </a:p>
-          <a:p>
-            <a:r>
-              <a:rPr lang="en-US" altLang="ko-KR" sz="1300" dirty="0"/>
-              <a:t>{</a:t>
-            </a:r>
-          </a:p>
-          <a:p>
-            <a:r>
-              <a:rPr lang="en-US" altLang="ko-KR" sz="1300" dirty="0"/>
-              <a:t>  double measure;</a:t>
-            </a:r>
-          </a:p>
-          <a:p>
-            <a:r>
-              <a:rPr lang="en-US" altLang="ko-KR" sz="1300" dirty="0"/>
-              <a:t>  </a:t>
-            </a:r>
-            <a:r>
-              <a:rPr lang="en-US" altLang="ko-KR" sz="1300" dirty="0" err="1"/>
-              <a:t>int</a:t>
-            </a:r>
-            <a:r>
-              <a:rPr lang="en-US" altLang="ko-KR" sz="1300" dirty="0"/>
-              <a:t> basic, </a:t>
-            </a:r>
-            <a:r>
-              <a:rPr lang="en-US" altLang="ko-KR" sz="1300" dirty="0" err="1"/>
-              <a:t>transe</a:t>
-            </a:r>
-            <a:r>
-              <a:rPr lang="en-US" altLang="ko-KR" sz="1300" dirty="0"/>
-              <a:t>;</a:t>
-            </a:r>
-          </a:p>
-          <a:p>
-            <a:endParaRPr lang="en-US" altLang="ko-KR" sz="1300" dirty="0"/>
-          </a:p>
-          <a:p>
-            <a:r>
-              <a:rPr lang="en-US" altLang="ko-KR" sz="1300" dirty="0"/>
-              <a:t>  </a:t>
-            </a:r>
-            <a:r>
-              <a:rPr lang="en-US" altLang="ko-KR" sz="1300" dirty="0" err="1"/>
-              <a:t>printf</a:t>
-            </a:r>
-            <a:r>
-              <a:rPr lang="en-US" altLang="ko-KR" sz="1300" dirty="0"/>
-              <a:t>("</a:t>
-            </a:r>
-            <a:r>
-              <a:rPr lang="ko-KR" altLang="en-US" sz="1300" dirty="0"/>
-              <a:t>길이에 대한 도량형 환산 프로그램</a:t>
-            </a:r>
-            <a:r>
-              <a:rPr lang="en-US" altLang="ko-KR" sz="1300" dirty="0"/>
-              <a:t>\n\n");</a:t>
-            </a:r>
-          </a:p>
-          <a:p>
-            <a:r>
-              <a:rPr lang="en-US" altLang="ko-KR" sz="1300" dirty="0"/>
-              <a:t>  </a:t>
-            </a:r>
-            <a:r>
-              <a:rPr lang="en-US" altLang="ko-KR" sz="1300" dirty="0" err="1"/>
-              <a:t>print_distance_unit</a:t>
-            </a:r>
-            <a:r>
-              <a:rPr lang="en-US" altLang="ko-KR" sz="1300" dirty="0"/>
-              <a:t>();</a:t>
-            </a:r>
-          </a:p>
-          <a:p>
-            <a:r>
-              <a:rPr lang="en-US" altLang="ko-KR" sz="1300" dirty="0"/>
-              <a:t>  </a:t>
-            </a:r>
-            <a:r>
-              <a:rPr lang="en-US" altLang="ko-KR" sz="1300" dirty="0" err="1"/>
-              <a:t>printf</a:t>
-            </a:r>
-            <a:r>
-              <a:rPr lang="en-US" altLang="ko-KR" sz="1300" dirty="0"/>
-              <a:t>("\n\n</a:t>
-            </a:r>
-            <a:r>
-              <a:rPr lang="ko-KR" altLang="en-US" sz="1300" dirty="0"/>
-              <a:t>기본단위와 변환단위</a:t>
-            </a:r>
-            <a:r>
-              <a:rPr lang="en-US" altLang="ko-KR" sz="1300" dirty="0"/>
-              <a:t>\n</a:t>
-            </a:r>
-            <a:r>
-              <a:rPr lang="ko-KR" altLang="en-US" sz="1300" dirty="0"/>
-              <a:t>입력 후 </a:t>
-            </a:r>
-            <a:r>
-              <a:rPr lang="en-US" altLang="ko-KR" sz="1300" dirty="0"/>
-              <a:t>Enter(</a:t>
-            </a:r>
-            <a:r>
-              <a:rPr lang="ko-KR" altLang="en-US" sz="1300" dirty="0"/>
-              <a:t>예</a:t>
-            </a:r>
-            <a:r>
-              <a:rPr lang="en-US" altLang="ko-KR" sz="1300" dirty="0"/>
-              <a:t>:1 5)&gt;");</a:t>
-            </a:r>
-          </a:p>
-          <a:p>
-            <a:r>
-              <a:rPr lang="en-US" altLang="ko-KR" sz="1300" dirty="0"/>
-              <a:t>  </a:t>
-            </a:r>
-            <a:r>
-              <a:rPr lang="en-US" altLang="ko-KR" sz="1300" dirty="0" err="1"/>
-              <a:t>scanf</a:t>
-            </a:r>
-            <a:r>
-              <a:rPr lang="en-US" altLang="ko-KR" sz="1300" dirty="0"/>
-              <a:t>("%d %d",&amp;basic,&amp;</a:t>
-            </a:r>
-            <a:r>
-              <a:rPr lang="en-US" altLang="ko-KR" sz="1300" dirty="0" err="1"/>
-              <a:t>transe</a:t>
-            </a:r>
-            <a:r>
-              <a:rPr lang="en-US" altLang="ko-KR" sz="1300" dirty="0"/>
-              <a:t>);</a:t>
-            </a:r>
-          </a:p>
-          <a:p>
-            <a:endParaRPr lang="en-US" altLang="ko-KR" sz="1300" dirty="0"/>
-          </a:p>
-          <a:p>
-            <a:r>
-              <a:rPr lang="en-US" altLang="ko-KR" sz="1300" dirty="0"/>
-              <a:t>  </a:t>
-            </a:r>
-            <a:r>
-              <a:rPr lang="en-US" altLang="ko-KR" sz="1300" dirty="0" err="1"/>
-              <a:t>printf</a:t>
-            </a:r>
-            <a:r>
-              <a:rPr lang="en-US" altLang="ko-KR" sz="1300" dirty="0"/>
-              <a:t>("</a:t>
-            </a:r>
-            <a:r>
-              <a:rPr lang="ko-KR" altLang="en-US" sz="1300" dirty="0"/>
-              <a:t>값을 입력하고 </a:t>
-            </a:r>
-            <a:r>
-              <a:rPr lang="en-US" altLang="ko-KR" sz="1300" dirty="0"/>
-              <a:t>Enter&gt;");</a:t>
-            </a:r>
-          </a:p>
-          <a:p>
-            <a:r>
-              <a:rPr lang="en-US" altLang="ko-KR" sz="1300" dirty="0"/>
-              <a:t>  </a:t>
-            </a:r>
-            <a:r>
-              <a:rPr lang="en-US" altLang="ko-KR" sz="1300" dirty="0" err="1"/>
-              <a:t>scanf</a:t>
-            </a:r>
-            <a:r>
-              <a:rPr lang="en-US" altLang="ko-KR" sz="1300" dirty="0"/>
-              <a:t>("%lf", &amp;measure);</a:t>
-            </a:r>
-          </a:p>
-          <a:p>
-            <a:r>
-              <a:rPr lang="en-US" altLang="ko-KR" sz="1300" dirty="0"/>
-              <a:t>  </a:t>
-            </a:r>
-            <a:r>
-              <a:rPr lang="en-US" altLang="ko-KR" sz="1300" dirty="0" err="1"/>
-              <a:t>printf</a:t>
-            </a:r>
-            <a:r>
-              <a:rPr lang="en-US" altLang="ko-KR" sz="1300" dirty="0"/>
-              <a:t>("\n");</a:t>
-            </a:r>
-          </a:p>
-          <a:p>
-            <a:r>
-              <a:rPr lang="en-US" altLang="ko-KR" sz="1300" dirty="0"/>
-              <a:t>  </a:t>
-            </a:r>
-            <a:r>
-              <a:rPr lang="en-US" altLang="ko-KR" sz="1300" dirty="0" err="1"/>
-              <a:t>measure_calculate</a:t>
-            </a:r>
-            <a:r>
-              <a:rPr lang="en-US" altLang="ko-KR" sz="1300" dirty="0"/>
-              <a:t>(basic, </a:t>
-            </a:r>
-            <a:r>
-              <a:rPr lang="en-US" altLang="ko-KR" sz="1300" dirty="0" err="1"/>
-              <a:t>transe</a:t>
-            </a:r>
-            <a:r>
-              <a:rPr lang="en-US" altLang="ko-KR" sz="1300" dirty="0"/>
-              <a:t>, measure);</a:t>
-            </a:r>
-          </a:p>
-          <a:p>
-            <a:r>
-              <a:rPr lang="en-US" altLang="ko-KR" sz="1300" dirty="0"/>
-              <a:t>  return 0;</a:t>
-            </a:r>
-          </a:p>
-          <a:p>
-            <a:r>
-              <a:rPr lang="en-US" altLang="ko-KR" sz="1300" dirty="0"/>
-              <a:t>}</a:t>
-            </a:r>
-          </a:p>
-          <a:p>
-            <a:endParaRPr lang="en-US" altLang="ko-KR" sz="1300" dirty="0"/>
-          </a:p>
-          <a:p>
-            <a:endParaRPr lang="en-US" altLang="ko-KR" sz="1300" dirty="0"/>
-          </a:p>
-        </p:txBody>
-      </p:sp>
-      <p:sp>
-        <p:nvSpPr>
-          <p:cNvPr id="10" name="TextBox 9"/>
-          <p:cNvSpPr txBox="1"/>
-          <p:nvPr/>
-        </p:nvSpPr>
-        <p:spPr>
-          <a:xfrm>
-            <a:off x="5843847" y="2102617"/>
-            <a:ext cx="5203767" cy="2862322"/>
-          </a:xfrm>
-          <a:prstGeom prst="rect">
-            <a:avLst/>
-          </a:prstGeom>
-          <a:noFill/>
-        </p:spPr>
-        <p:txBody>
-          <a:bodyPr wrap="square" rtlCol="0">
-            <a:spAutoFit/>
-          </a:bodyPr>
-          <a:lstStyle/>
-          <a:p>
-            <a:r>
-              <a:rPr lang="en-US" altLang="ko-KR" dirty="0" smtClean="0"/>
-              <a:t>1. </a:t>
-            </a:r>
-            <a:r>
-              <a:rPr lang="ko-KR" altLang="en-US" dirty="0" smtClean="0"/>
-              <a:t>사용할 단위들을 배열에 저장</a:t>
-            </a:r>
-            <a:endParaRPr lang="en-US" altLang="ko-KR" dirty="0" smtClean="0"/>
-          </a:p>
-          <a:p>
-            <a:endParaRPr lang="en-US" altLang="ko-KR" dirty="0"/>
-          </a:p>
-          <a:p>
-            <a:r>
-              <a:rPr lang="en-US" altLang="ko-KR" dirty="0" smtClean="0"/>
-              <a:t>2. </a:t>
-            </a:r>
-            <a:r>
-              <a:rPr lang="ko-KR" altLang="en-US" dirty="0" smtClean="0"/>
-              <a:t>메인 함수에  기본단위와 변환단위 선언</a:t>
-            </a:r>
-            <a:r>
-              <a:rPr lang="en-US" altLang="ko-KR" dirty="0" smtClean="0"/>
-              <a:t>, </a:t>
-            </a:r>
-          </a:p>
-          <a:p>
-            <a:r>
-              <a:rPr lang="en-US" altLang="ko-KR" dirty="0"/>
-              <a:t> </a:t>
-            </a:r>
-            <a:r>
-              <a:rPr lang="en-US" altLang="ko-KR" dirty="0" smtClean="0"/>
-              <a:t>  </a:t>
-            </a:r>
-            <a:r>
-              <a:rPr lang="ko-KR" altLang="en-US" dirty="0" smtClean="0"/>
-              <a:t>측정할 값을 </a:t>
-            </a:r>
-            <a:r>
-              <a:rPr lang="en-US" altLang="ko-KR" dirty="0" smtClean="0"/>
-              <a:t>double</a:t>
-            </a:r>
-            <a:r>
-              <a:rPr lang="ko-KR" altLang="en-US" dirty="0" smtClean="0"/>
-              <a:t>로 선언</a:t>
-            </a:r>
-            <a:endParaRPr lang="en-US" altLang="ko-KR" dirty="0" smtClean="0"/>
-          </a:p>
-          <a:p>
-            <a:endParaRPr lang="en-US" altLang="ko-KR" dirty="0" smtClean="0"/>
-          </a:p>
-          <a:p>
-            <a:r>
-              <a:rPr lang="en-US" altLang="ko-KR" dirty="0" smtClean="0"/>
-              <a:t>3. </a:t>
-            </a:r>
-            <a:r>
-              <a:rPr lang="ko-KR" altLang="en-US" dirty="0" smtClean="0"/>
-              <a:t>프로그램을 실행했을 때 보기 편하게 </a:t>
-            </a:r>
-            <a:r>
-              <a:rPr lang="en-US" altLang="ko-KR" dirty="0" err="1" smtClean="0"/>
-              <a:t>printf</a:t>
-            </a:r>
-            <a:r>
-              <a:rPr lang="en-US" altLang="ko-KR" dirty="0" smtClean="0"/>
-              <a:t> </a:t>
-            </a:r>
-            <a:r>
-              <a:rPr lang="ko-KR" altLang="en-US" dirty="0" smtClean="0"/>
-              <a:t>와</a:t>
-            </a:r>
-            <a:endParaRPr lang="en-US" altLang="ko-KR" dirty="0" smtClean="0"/>
-          </a:p>
-          <a:p>
-            <a:r>
-              <a:rPr lang="en-US" altLang="ko-KR" dirty="0" err="1" smtClean="0"/>
-              <a:t>Scanf</a:t>
-            </a:r>
-            <a:r>
-              <a:rPr lang="ko-KR" altLang="en-US" dirty="0" smtClean="0"/>
-              <a:t>를 사용해  기본단위</a:t>
-            </a:r>
-            <a:r>
-              <a:rPr lang="en-US" altLang="ko-KR" dirty="0" smtClean="0"/>
-              <a:t>,</a:t>
-            </a:r>
-            <a:r>
-              <a:rPr lang="ko-KR" altLang="en-US" dirty="0" smtClean="0"/>
-              <a:t>변환단위를 </a:t>
-            </a:r>
-            <a:r>
-              <a:rPr lang="ko-KR" altLang="en-US" dirty="0" err="1" smtClean="0"/>
-              <a:t>입력후</a:t>
-            </a:r>
-            <a:endParaRPr lang="en-US" altLang="ko-KR" dirty="0" smtClean="0"/>
-          </a:p>
-          <a:p>
-            <a:endParaRPr lang="en-US" altLang="ko-KR" dirty="0"/>
-          </a:p>
-          <a:p>
-            <a:r>
-              <a:rPr lang="en-US" altLang="ko-KR" dirty="0" smtClean="0"/>
-              <a:t>4.  </a:t>
-            </a:r>
-            <a:r>
-              <a:rPr lang="ko-KR" altLang="en-US" dirty="0" err="1" smtClean="0"/>
-              <a:t>측정할값을</a:t>
-            </a:r>
-            <a:r>
-              <a:rPr lang="ko-KR" altLang="en-US" dirty="0" smtClean="0"/>
-              <a:t> 입력 하면 </a:t>
-            </a:r>
-            <a:r>
-              <a:rPr lang="en-US" altLang="ko-KR" dirty="0" smtClean="0"/>
-              <a:t>measure calculate </a:t>
-            </a:r>
-            <a:r>
-              <a:rPr lang="ko-KR" altLang="en-US" dirty="0" smtClean="0"/>
-              <a:t>함수 에서 처리하여 변환된 값을 반환하게 합니다</a:t>
-            </a:r>
-            <a:r>
-              <a:rPr lang="en-US" altLang="ko-KR" dirty="0" smtClean="0"/>
-              <a:t>.</a:t>
-            </a:r>
-            <a:endParaRPr lang="en-US" altLang="ko-KR" dirty="0"/>
-          </a:p>
-        </p:txBody>
-      </p:sp>
+      </p:pic>
     </p:spTree>
     <p:extLst>
       <p:ext uri="{BB962C8B-B14F-4D97-AF65-F5344CB8AC3E}">
-        <p14:creationId xmlns:p14="http://schemas.microsoft.com/office/powerpoint/2010/main" val="1881393187"/>
+        <p14:creationId xmlns:p14="http://schemas.microsoft.com/office/powerpoint/2010/main" val="52495645"/>
       </p:ext>
     </p:extLst>
   </p:cSld>
   <p:clrMapOvr>
     <a:masterClrMapping/>
   </p:clrMapOvr>
+  <mc:AlternateContent xmlns:mc="http://schemas.openxmlformats.org/markup-compatibility/2006" xmlns:p14="http://schemas.microsoft.com/office/powerpoint/2010/main">
+    <mc:Choice Requires="p14">
+      <p:transition/>
+    </mc:Choice>
+    <mc:Fallback xmlns:dsp="http://schemas.microsoft.com/office/drawing/2008/diagram" xmlns:dgm="http://schemas.openxmlformats.org/drawingml/2006/diagram" xmlns:c="http://schemas.openxmlformats.org/drawingml/2006/chart" xmlns="">
+      <p:transition/>
+    </mc:Fallback>
+  </mc:AlternateContent>
   <p:timing>
     <p:tnLst>
       <p:par>
@@ -6590,14 +5262,14 @@
       </p:grpSpPr>
       <p:sp>
         <p:nvSpPr>
-          <p:cNvPr id="5" name="직사각형 4"/>
+          <p:cNvPr id="14" name="직사각형 13"/>
           <p:cNvSpPr/>
           <p:nvPr/>
         </p:nvSpPr>
         <p:spPr>
           <a:xfrm>
-            <a:off x="595885" y="425377"/>
-            <a:ext cx="5938160" cy="816249"/>
+            <a:off x="382175" y="249048"/>
+            <a:ext cx="5938160" cy="923330"/>
           </a:xfrm>
           <a:prstGeom prst="rect">
             <a:avLst/>
@@ -6615,6 +5287,17 @@
               </a:lnSpc>
               <a:defRPr/>
             </a:pPr>
+            <a:r>
+              <a:rPr lang="en-US" altLang="ko-KR" sz="3600" b="1" i="1" kern="0" dirty="0">
+                <a:ln w="12700">
+                  <a:solidFill>
+                    <a:srgbClr val="F56342"/>
+                  </a:solidFill>
+                </a:ln>
+                <a:noFill/>
+              </a:rPr>
+              <a:t>4</a:t>
+            </a:r>
             <a:r>
               <a:rPr lang="en-US" altLang="ko-KR" sz="3600" b="1" i="1" kern="0" dirty="0" smtClean="0">
                 <a:ln w="12700">
@@ -6624,7 +5307,29 @@
                 </a:ln>
                 <a:noFill/>
               </a:rPr>
-              <a:t>3. </a:t>
+              <a:t>. </a:t>
+            </a:r>
+            <a:r>
+              <a:rPr lang="ko-KR" altLang="en-US" sz="3600" b="1" i="1" kern="0" dirty="0" err="1">
+                <a:ln w="12700">
+                  <a:solidFill>
+                    <a:srgbClr val="F56342"/>
+                  </a:solidFill>
+                </a:ln>
+                <a:noFill/>
+              </a:rPr>
+              <a:t>협업툴</a:t>
+            </a:r>
+            <a:r>
+              <a:rPr lang="ko-KR" altLang="en-US" sz="3600" b="1" i="1" kern="0" dirty="0">
+                <a:ln w="12700">
+                  <a:solidFill>
+                    <a:srgbClr val="F56342"/>
+                  </a:solidFill>
+                </a:ln>
+                <a:noFill/>
+              </a:rPr>
+              <a:t> </a:t>
             </a:r>
             <a:r>
               <a:rPr lang="ko-KR" altLang="en-US" sz="3600" b="1" i="1" kern="0" dirty="0" smtClean="0">
@@ -6635,7 +5340,7 @@
                 </a:ln>
                 <a:noFill/>
               </a:rPr>
-              <a:t>프로그램 작성 </a:t>
+              <a:t>화면 </a:t>
             </a:r>
             <a:r>
               <a:rPr lang="en-US" altLang="ko-KR" sz="3600" b="1" i="1" kern="0" dirty="0" smtClean="0">
@@ -6646,7 +5351,7 @@
                 </a:ln>
                 <a:noFill/>
               </a:rPr>
-              <a:t>,</a:t>
+              <a:t>:: slack </a:t>
             </a:r>
             <a:r>
               <a:rPr lang="ko-KR" altLang="en-US" sz="3600" b="1" i="1" kern="0" dirty="0" smtClean="0">
@@ -6657,9 +5362,9 @@
                 </a:ln>
                 <a:noFill/>
               </a:rPr>
-              <a:t>완성</a:t>
-            </a:r>
-            <a:endParaRPr lang="en-US" altLang="ko-KR" sz="3600" b="1" i="1" kern="0" dirty="0" smtClean="0">
+              <a:t>사용</a:t>
+            </a:r>
+            <a:endParaRPr lang="ko-KR" altLang="en-US" sz="3600" b="1" i="1" kern="0" dirty="0">
               <a:ln w="12700">
                 <a:solidFill>
                   <a:srgbClr val="F56342"/>
@@ -6670,627 +5375,54 @@
           </a:p>
         </p:txBody>
       </p:sp>
-      <p:sp>
-        <p:nvSpPr>
-          <p:cNvPr id="4" name="TextBox 3"/>
-          <p:cNvSpPr txBox="1"/>
+      <p:pic>
+        <p:nvPicPr>
+          <p:cNvPr id="2" name="그림 1"/>
+          <p:cNvPicPr>
+            <a:picLocks noChangeAspect="1"/>
+          </p:cNvPicPr>
           <p:nvPr/>
-        </p:nvSpPr>
+        </p:nvPicPr>
+        <p:blipFill>
+          <a:blip r:embed="rId2">
+            <a:extLst>
+              <a:ext uri="{28A0092B-C50C-407E-A947-70E740481C1C}">
+                <a14:useLocalDpi xmlns:a14="http://schemas.microsoft.com/office/drawing/2010/main" val="0"/>
+              </a:ext>
+            </a:extLst>
+          </a:blip>
+          <a:stretch>
+            <a:fillRect/>
+          </a:stretch>
+        </p:blipFill>
         <p:spPr>
           <a:xfrm>
-            <a:off x="3564965" y="-1688540"/>
-            <a:ext cx="3894169" cy="646331"/>
-          </a:xfrm>
-          <a:prstGeom prst="rect">
-            <a:avLst/>
-          </a:prstGeom>
-          <a:noFill/>
-        </p:spPr>
-        <p:txBody>
-          <a:bodyPr wrap="square" rtlCol="0">
-            <a:spAutoFit/>
-          </a:bodyPr>
-          <a:lstStyle/>
-          <a:p>
-            <a:r>
-              <a:rPr lang="en-US" altLang="ko-KR" sz="3600" i="1" dirty="0" err="1" smtClean="0">
-                <a:solidFill>
-                  <a:prstClr val="white"/>
-                </a:solidFill>
-              </a:rPr>
-              <a:t>patagonia</a:t>
-            </a:r>
-            <a:endParaRPr lang="ko-KR" altLang="en-US" sz="3600" i="1" dirty="0">
-              <a:solidFill>
-                <a:prstClr val="white"/>
-              </a:solidFill>
-            </a:endParaRPr>
-          </a:p>
-        </p:txBody>
-      </p:sp>
-      <p:sp>
-        <p:nvSpPr>
-          <p:cNvPr id="7" name="모서리가 둥근 직사각형 6"/>
-          <p:cNvSpPr/>
-          <p:nvPr/>
-        </p:nvSpPr>
-        <p:spPr>
-          <a:xfrm>
-            <a:off x="595885" y="1180407"/>
-            <a:ext cx="11081765" cy="5602777"/>
-          </a:xfrm>
-          <a:prstGeom prst="roundRect">
-            <a:avLst>
-              <a:gd name="adj" fmla="val 12746"/>
-            </a:avLst>
-          </a:prstGeom>
-          <a:noFill/>
-          <a:ln w="19050">
-            <a:solidFill>
-              <a:srgbClr val="F56342"/>
-            </a:solidFill>
-          </a:ln>
-        </p:spPr>
-        <p:style>
-          <a:lnRef idx="2">
-            <a:schemeClr val="accent1">
-              <a:shade val="50000"/>
-            </a:schemeClr>
-          </a:lnRef>
-          <a:fillRef idx="1">
-            <a:schemeClr val="accent1"/>
-          </a:fillRef>
-          <a:effectRef idx="0">
-            <a:schemeClr val="accent1"/>
-          </a:effectRef>
-          <a:fontRef idx="minor">
-            <a:schemeClr val="lt1"/>
-          </a:fontRef>
-        </p:style>
-        <p:txBody>
-          <a:bodyPr anchor="ctr"/>
-          <a:lstStyle/>
-          <a:p>
-            <a:pPr algn="ctr">
-              <a:defRPr/>
-            </a:pPr>
-            <a:endParaRPr lang="ko-KR" altLang="en-US">
-              <a:solidFill>
-                <a:prstClr val="white"/>
-              </a:solidFill>
-            </a:endParaRPr>
-          </a:p>
-        </p:txBody>
-      </p:sp>
-      <p:sp>
-        <p:nvSpPr>
-          <p:cNvPr id="2" name="직사각형 1"/>
-          <p:cNvSpPr/>
-          <p:nvPr/>
-        </p:nvSpPr>
-        <p:spPr>
-          <a:xfrm>
-            <a:off x="778624" y="1216688"/>
-            <a:ext cx="4990408" cy="5893921"/>
+            <a:off x="-1" y="1065297"/>
+            <a:ext cx="12387701" cy="5657236"/>
           </a:xfrm>
           <a:prstGeom prst="rect">
             <a:avLst/>
           </a:prstGeom>
         </p:spPr>
-        <p:txBody>
-          <a:bodyPr wrap="square">
-            <a:spAutoFit/>
-          </a:bodyPr>
-          <a:lstStyle/>
-          <a:p>
-            <a:r>
-              <a:rPr lang="en-US" altLang="ko-KR" sz="1300" dirty="0"/>
-              <a:t>void </a:t>
-            </a:r>
-            <a:r>
-              <a:rPr lang="en-US" altLang="ko-KR" sz="1300" dirty="0" err="1"/>
-              <a:t>print_distance_unit</a:t>
-            </a:r>
-            <a:r>
-              <a:rPr lang="en-US" altLang="ko-KR" sz="1300" dirty="0"/>
-              <a:t>(void)</a:t>
-            </a:r>
-          </a:p>
-          <a:p>
-            <a:r>
-              <a:rPr lang="en-US" altLang="ko-KR" sz="1300" dirty="0"/>
-              <a:t>{</a:t>
-            </a:r>
-          </a:p>
-          <a:p>
-            <a:r>
-              <a:rPr lang="en-US" altLang="ko-KR" sz="1300" dirty="0"/>
-              <a:t>	</a:t>
-            </a:r>
-            <a:r>
-              <a:rPr lang="en-US" altLang="ko-KR" sz="1300" dirty="0" err="1"/>
-              <a:t>int</a:t>
-            </a:r>
-            <a:r>
-              <a:rPr lang="en-US" altLang="ko-KR" sz="1300" dirty="0"/>
-              <a:t> </a:t>
-            </a:r>
-            <a:r>
-              <a:rPr lang="en-US" altLang="ko-KR" sz="1300" dirty="0" err="1"/>
-              <a:t>i</a:t>
-            </a:r>
-            <a:r>
-              <a:rPr lang="en-US" altLang="ko-KR" sz="1300" dirty="0"/>
-              <a:t>;</a:t>
-            </a:r>
-          </a:p>
-          <a:p>
-            <a:r>
-              <a:rPr lang="en-US" altLang="ko-KR" sz="1300" dirty="0"/>
-              <a:t>	for(</a:t>
-            </a:r>
-            <a:r>
-              <a:rPr lang="en-US" altLang="ko-KR" sz="1300" dirty="0" err="1"/>
-              <a:t>i</a:t>
-            </a:r>
-            <a:r>
-              <a:rPr lang="en-US" altLang="ko-KR" sz="1300" dirty="0"/>
-              <a:t>=0;i&lt;=9;i++)</a:t>
-            </a:r>
-          </a:p>
-          <a:p>
-            <a:r>
-              <a:rPr lang="en-US" altLang="ko-KR" sz="1300" dirty="0"/>
-              <a:t>	{</a:t>
-            </a:r>
-          </a:p>
-          <a:p>
-            <a:r>
-              <a:rPr lang="en-US" altLang="ko-KR" sz="1300" dirty="0"/>
-              <a:t>		</a:t>
-            </a:r>
-            <a:r>
-              <a:rPr lang="en-US" altLang="ko-KR" sz="1300" dirty="0" err="1"/>
-              <a:t>printf</a:t>
-            </a:r>
-            <a:r>
-              <a:rPr lang="en-US" altLang="ko-KR" sz="1300" dirty="0"/>
-              <a:t>("%d:%-8s  ", </a:t>
-            </a:r>
-            <a:r>
-              <a:rPr lang="en-US" altLang="ko-KR" sz="1300" dirty="0" err="1"/>
-              <a:t>i</a:t>
-            </a:r>
-            <a:r>
-              <a:rPr lang="en-US" altLang="ko-KR" sz="1300" dirty="0"/>
-              <a:t>, </a:t>
-            </a:r>
-            <a:r>
-              <a:rPr lang="en-US" altLang="ko-KR" sz="1300" dirty="0" err="1"/>
-              <a:t>ms_char</a:t>
-            </a:r>
-            <a:r>
-              <a:rPr lang="en-US" altLang="ko-KR" sz="1300" dirty="0"/>
-              <a:t>[</a:t>
-            </a:r>
-            <a:r>
-              <a:rPr lang="en-US" altLang="ko-KR" sz="1300" dirty="0" err="1"/>
-              <a:t>i</a:t>
-            </a:r>
-            <a:r>
-              <a:rPr lang="en-US" altLang="ko-KR" sz="1300" dirty="0"/>
-              <a:t>]);</a:t>
-            </a:r>
-          </a:p>
-          <a:p>
-            <a:r>
-              <a:rPr lang="en-US" altLang="ko-KR" sz="1300" dirty="0"/>
-              <a:t>		if (i%3==2)</a:t>
-            </a:r>
-          </a:p>
-          <a:p>
-            <a:r>
-              <a:rPr lang="en-US" altLang="ko-KR" sz="1300" dirty="0"/>
-              <a:t>			</a:t>
-            </a:r>
-            <a:r>
-              <a:rPr lang="en-US" altLang="ko-KR" sz="1300" dirty="0" err="1"/>
-              <a:t>printf</a:t>
-            </a:r>
-            <a:r>
-              <a:rPr lang="en-US" altLang="ko-KR" sz="1300" dirty="0"/>
-              <a:t>("\n");</a:t>
-            </a:r>
-          </a:p>
-          <a:p>
-            <a:r>
-              <a:rPr lang="en-US" altLang="ko-KR" sz="1300" dirty="0"/>
-              <a:t>	}</a:t>
-            </a:r>
-          </a:p>
-          <a:p>
-            <a:r>
-              <a:rPr lang="en-US" altLang="ko-KR" sz="1300" dirty="0" smtClean="0"/>
-              <a:t>}</a:t>
-            </a:r>
-          </a:p>
-          <a:p>
-            <a:r>
-              <a:rPr lang="en-US" altLang="ko-KR" sz="1300" dirty="0"/>
-              <a:t>void </a:t>
-            </a:r>
-            <a:r>
-              <a:rPr lang="en-US" altLang="ko-KR" sz="1300" dirty="0" err="1"/>
-              <a:t>measure_calculate</a:t>
-            </a:r>
-            <a:r>
-              <a:rPr lang="en-US" altLang="ko-KR" sz="1300" dirty="0"/>
-              <a:t>(</a:t>
-            </a:r>
-            <a:r>
-              <a:rPr lang="en-US" altLang="ko-KR" sz="1300" dirty="0" err="1"/>
-              <a:t>int</a:t>
-            </a:r>
-            <a:r>
-              <a:rPr lang="en-US" altLang="ko-KR" sz="1300" dirty="0"/>
-              <a:t> basic, </a:t>
-            </a:r>
-            <a:r>
-              <a:rPr lang="en-US" altLang="ko-KR" sz="1300" dirty="0" err="1"/>
-              <a:t>int</a:t>
-            </a:r>
-            <a:r>
-              <a:rPr lang="en-US" altLang="ko-KR" sz="1300" dirty="0"/>
-              <a:t> </a:t>
-            </a:r>
-            <a:r>
-              <a:rPr lang="en-US" altLang="ko-KR" sz="1300" dirty="0" err="1"/>
-              <a:t>transe</a:t>
-            </a:r>
-            <a:r>
-              <a:rPr lang="en-US" altLang="ko-KR" sz="1300" dirty="0"/>
-              <a:t>, double measure</a:t>
-            </a:r>
-            <a:r>
-              <a:rPr lang="en-US" altLang="ko-KR" sz="1300" dirty="0" smtClean="0"/>
-              <a:t>){</a:t>
-            </a:r>
-          </a:p>
-          <a:p>
-            <a:r>
-              <a:rPr lang="en-US" altLang="ko-KR" sz="1300" dirty="0"/>
-              <a:t> double </a:t>
-            </a:r>
-            <a:r>
-              <a:rPr lang="en-US" altLang="ko-KR" sz="1300" dirty="0" err="1"/>
-              <a:t>msre</a:t>
-            </a:r>
-            <a:r>
-              <a:rPr lang="en-US" altLang="ko-KR" sz="1300" dirty="0"/>
-              <a:t>[10], unit, result;</a:t>
-            </a:r>
-          </a:p>
-          <a:p>
-            <a:r>
-              <a:rPr lang="ko-KR" altLang="en-US" sz="1300" dirty="0" smtClean="0"/>
-              <a:t>  msre[0</a:t>
-            </a:r>
-            <a:r>
-              <a:rPr lang="ko-KR" altLang="en-US" sz="1300" dirty="0"/>
-              <a:t>]=392772;		//centimeter</a:t>
-            </a:r>
-          </a:p>
-          <a:p>
-            <a:r>
-              <a:rPr lang="ko-KR" altLang="en-US" sz="1300" dirty="0"/>
-              <a:t>  msre[1]=msre[0]/100.;	//meter</a:t>
-            </a:r>
-          </a:p>
-          <a:p>
-            <a:r>
-              <a:rPr lang="ko-KR" altLang="en-US" sz="1300" dirty="0"/>
-              <a:t>  msre[2]=msre[1]/1000.;	//kilometer</a:t>
-            </a:r>
-          </a:p>
-          <a:p>
-            <a:r>
-              <a:rPr lang="ko-KR" altLang="en-US" sz="1300" dirty="0"/>
-              <a:t>  msre[3]=msre[0]/2.54;	//inch</a:t>
-            </a:r>
-          </a:p>
-          <a:p>
-            <a:r>
-              <a:rPr lang="ko-KR" altLang="en-US" sz="1300" dirty="0"/>
-              <a:t>  msre[4]=msre[3]/12.;	//feet</a:t>
-            </a:r>
-          </a:p>
-          <a:p>
-            <a:r>
-              <a:rPr lang="ko-KR" altLang="en-US" sz="1300" dirty="0"/>
-              <a:t>  msre[5]=msre[4]/3.;	//yard </a:t>
-            </a:r>
-          </a:p>
-          <a:p>
-            <a:r>
-              <a:rPr lang="ko-KR" altLang="en-US" sz="1300" dirty="0"/>
-              <a:t>  msre[6]=msre[5]/1760.;	//mile</a:t>
-            </a:r>
-          </a:p>
-          <a:p>
-            <a:r>
-              <a:rPr lang="ko-KR" altLang="en-US" sz="1300" dirty="0"/>
-              <a:t>  msre[7]=12960.;      	//자</a:t>
-            </a:r>
-          </a:p>
-          <a:p>
-            <a:r>
-              <a:rPr lang="ko-KR" altLang="en-US" sz="1300" dirty="0"/>
-              <a:t>  msre[8]=msre[7]/6.;   	//간</a:t>
-            </a:r>
-          </a:p>
-          <a:p>
-            <a:r>
-              <a:rPr lang="ko-KR" altLang="en-US" sz="1300" dirty="0"/>
-              <a:t>  msre[9]=msre[8]/(6.*36); //리</a:t>
-            </a:r>
-          </a:p>
-          <a:p>
-            <a:endParaRPr lang="ko-KR" altLang="en-US" sz="1300" dirty="0"/>
-          </a:p>
-          <a:p>
-            <a:r>
-              <a:rPr lang="ko-KR" altLang="en-US" sz="1300" dirty="0"/>
-              <a:t>  unit=msre[basic];</a:t>
-            </a:r>
-          </a:p>
-          <a:p>
-            <a:r>
-              <a:rPr lang="ko-KR" altLang="en-US" sz="1300" dirty="0"/>
-              <a:t>  result=measure*(msre[transe]/unit);</a:t>
-            </a:r>
-          </a:p>
-          <a:p>
-            <a:r>
-              <a:rPr lang="ko-KR" altLang="en-US" sz="1300" dirty="0"/>
-              <a:t>  printf("%.2f %8s는 ", measure, ms_char[basic]);</a:t>
-            </a:r>
-          </a:p>
-          <a:p>
-            <a:r>
-              <a:rPr lang="ko-KR" altLang="en-US" sz="1300" dirty="0"/>
-              <a:t>  printf("%15.5f %8s\n", result, ms_char[transe</a:t>
-            </a:r>
-            <a:r>
-              <a:rPr lang="ko-KR" altLang="en-US" sz="1300" dirty="0" smtClean="0"/>
-              <a:t>]); </a:t>
-            </a:r>
-            <a:r>
-              <a:rPr lang="en-US" altLang="ko-KR" sz="1300" dirty="0" smtClean="0"/>
-              <a:t>}</a:t>
-            </a:r>
-            <a:endParaRPr lang="ko-KR" altLang="en-US" sz="1300" dirty="0"/>
-          </a:p>
-          <a:p>
-            <a:endParaRPr lang="en-US" altLang="ko-KR" sz="1300" dirty="0"/>
-          </a:p>
-        </p:txBody>
-      </p:sp>
-      <p:sp>
-        <p:nvSpPr>
-          <p:cNvPr id="3" name="TextBox 2"/>
-          <p:cNvSpPr txBox="1"/>
-          <p:nvPr/>
-        </p:nvSpPr>
-        <p:spPr>
-          <a:xfrm>
-            <a:off x="5627717" y="2626822"/>
-            <a:ext cx="5777344" cy="2585323"/>
-          </a:xfrm>
-          <a:prstGeom prst="rect">
-            <a:avLst/>
-          </a:prstGeom>
-          <a:noFill/>
-        </p:spPr>
-        <p:txBody>
-          <a:bodyPr wrap="square" rtlCol="0">
-            <a:spAutoFit/>
-          </a:bodyPr>
-          <a:lstStyle/>
-          <a:p>
-            <a:pPr marL="342900" indent="-342900">
-              <a:buAutoNum type="arabicPeriod"/>
-            </a:pPr>
-            <a:r>
-              <a:rPr lang="en-US" altLang="ko-KR" dirty="0" smtClean="0"/>
-              <a:t>For</a:t>
-            </a:r>
-            <a:r>
-              <a:rPr lang="ko-KR" altLang="en-US" dirty="0" smtClean="0"/>
-              <a:t>문을 이용하여 </a:t>
-            </a:r>
-            <a:r>
-              <a:rPr lang="en-US" altLang="ko-KR" dirty="0" smtClean="0"/>
-              <a:t>char </a:t>
-            </a:r>
-            <a:r>
-              <a:rPr lang="ko-KR" altLang="en-US" dirty="0" smtClean="0"/>
-              <a:t>배열에 저장된 단위를 보여주어 변환 하고 싶은 단위</a:t>
-            </a:r>
-            <a:r>
-              <a:rPr lang="en-US" altLang="ko-KR" dirty="0" smtClean="0"/>
-              <a:t>, </a:t>
-            </a:r>
-            <a:r>
-              <a:rPr lang="ko-KR" altLang="en-US" dirty="0" smtClean="0"/>
-              <a:t>변환할 단위 입력을 </a:t>
-            </a:r>
-            <a:r>
-              <a:rPr lang="en-US" altLang="ko-KR" dirty="0"/>
-              <a:t> </a:t>
-            </a:r>
-            <a:r>
-              <a:rPr lang="en-US" altLang="ko-KR" dirty="0" smtClean="0"/>
-              <a:t>   </a:t>
-            </a:r>
-            <a:r>
-              <a:rPr lang="ko-KR" altLang="en-US" dirty="0" smtClean="0"/>
-              <a:t>도와주는 </a:t>
-            </a:r>
-            <a:r>
-              <a:rPr lang="en-US" altLang="ko-KR" dirty="0" err="1" smtClean="0"/>
-              <a:t>print_distance</a:t>
-            </a:r>
-            <a:r>
-              <a:rPr lang="en-US" altLang="ko-KR" dirty="0" smtClean="0"/>
-              <a:t> unit </a:t>
-            </a:r>
-            <a:r>
-              <a:rPr lang="ko-KR" altLang="en-US" dirty="0" smtClean="0"/>
-              <a:t>함수</a:t>
-            </a:r>
-            <a:endParaRPr lang="en-US" altLang="ko-KR" dirty="0" smtClean="0"/>
-          </a:p>
-          <a:p>
-            <a:pPr marL="342900" indent="-342900">
-              <a:buAutoNum type="arabicPeriod"/>
-            </a:pPr>
-            <a:endParaRPr lang="en-US" altLang="ko-KR" dirty="0" smtClean="0"/>
-          </a:p>
-          <a:p>
-            <a:r>
-              <a:rPr lang="en-US" altLang="ko-KR" dirty="0" smtClean="0"/>
-              <a:t>2. Measure calculate </a:t>
-            </a:r>
-            <a:r>
-              <a:rPr lang="ko-KR" altLang="en-US" dirty="0" smtClean="0"/>
-              <a:t>함수는 </a:t>
-            </a:r>
-            <a:endParaRPr lang="en-US" altLang="ko-KR" dirty="0"/>
-          </a:p>
-          <a:p>
-            <a:r>
-              <a:rPr lang="en-US" altLang="ko-KR" dirty="0" smtClean="0"/>
-              <a:t>   </a:t>
-            </a:r>
-            <a:r>
-              <a:rPr lang="en-US" altLang="ko-KR" dirty="0" err="1" smtClean="0"/>
-              <a:t>msre</a:t>
-            </a:r>
-            <a:r>
-              <a:rPr lang="en-US" altLang="ko-KR" dirty="0" smtClean="0"/>
-              <a:t>[] </a:t>
-            </a:r>
-            <a:r>
-              <a:rPr lang="ko-KR" altLang="en-US" dirty="0" smtClean="0"/>
-              <a:t>배열에 </a:t>
-            </a:r>
-            <a:r>
-              <a:rPr lang="en-US" altLang="ko-KR" dirty="0" smtClean="0"/>
-              <a:t>0~9</a:t>
-            </a:r>
-            <a:r>
-              <a:rPr lang="ko-KR" altLang="en-US" dirty="0" smtClean="0"/>
-              <a:t>까지 모든 단위들을 환산해서 </a:t>
-            </a:r>
-            <a:endParaRPr lang="en-US" altLang="ko-KR" dirty="0" smtClean="0"/>
-          </a:p>
-          <a:p>
-            <a:r>
-              <a:rPr lang="en-US" altLang="ko-KR" dirty="0"/>
-              <a:t> </a:t>
-            </a:r>
-            <a:r>
-              <a:rPr lang="en-US" altLang="ko-KR" dirty="0" smtClean="0"/>
-              <a:t>  </a:t>
-            </a:r>
-            <a:r>
-              <a:rPr lang="ko-KR" altLang="en-US" dirty="0" smtClean="0"/>
-              <a:t>각각 넣어주고 </a:t>
-            </a:r>
-            <a:r>
-              <a:rPr lang="en-US" altLang="ko-KR" dirty="0" smtClean="0"/>
-              <a:t>unit</a:t>
-            </a:r>
-            <a:r>
-              <a:rPr lang="ko-KR" altLang="en-US" dirty="0" smtClean="0"/>
-              <a:t>변수에 기본단위 를 저장</a:t>
-            </a:r>
-            <a:endParaRPr lang="en-US" altLang="ko-KR" dirty="0" smtClean="0"/>
-          </a:p>
-          <a:p>
-            <a:r>
-              <a:rPr lang="en-US" altLang="ko-KR" dirty="0"/>
-              <a:t>  </a:t>
-            </a:r>
-            <a:r>
-              <a:rPr lang="en-US" altLang="ko-KR" dirty="0" smtClean="0"/>
-              <a:t> result </a:t>
-            </a:r>
-            <a:r>
-              <a:rPr lang="ko-KR" altLang="en-US" dirty="0" smtClean="0"/>
-              <a:t>변수에  </a:t>
-            </a:r>
-            <a:r>
-              <a:rPr lang="en-US" altLang="ko-KR" dirty="0" smtClean="0"/>
-              <a:t>{</a:t>
-            </a:r>
-            <a:r>
-              <a:rPr lang="ko-KR" altLang="en-US" dirty="0" smtClean="0"/>
-              <a:t>측정값</a:t>
-            </a:r>
-            <a:r>
-              <a:rPr lang="en-US" altLang="ko-KR" dirty="0" smtClean="0"/>
-              <a:t>*(</a:t>
-            </a:r>
-            <a:r>
-              <a:rPr lang="ko-KR" altLang="en-US" dirty="0" err="1" smtClean="0"/>
-              <a:t>변환할단위</a:t>
-            </a:r>
-            <a:r>
-              <a:rPr lang="en-US" altLang="ko-KR" dirty="0" smtClean="0"/>
-              <a:t>/</a:t>
-            </a:r>
-            <a:r>
-              <a:rPr lang="ko-KR" altLang="en-US" dirty="0" smtClean="0"/>
-              <a:t>기본단위</a:t>
-            </a:r>
-            <a:r>
-              <a:rPr lang="en-US" altLang="ko-KR" dirty="0" smtClean="0"/>
-              <a:t>)} </a:t>
-            </a:r>
-            <a:r>
-              <a:rPr lang="ko-KR" altLang="en-US" dirty="0" smtClean="0"/>
-              <a:t>를 </a:t>
-            </a:r>
-            <a:endParaRPr lang="en-US" altLang="ko-KR" dirty="0" smtClean="0"/>
-          </a:p>
-          <a:p>
-            <a:r>
-              <a:rPr lang="en-US" altLang="ko-KR" dirty="0"/>
-              <a:t> </a:t>
-            </a:r>
-            <a:r>
-              <a:rPr lang="en-US" altLang="ko-KR" dirty="0" smtClean="0"/>
-              <a:t>  </a:t>
-            </a:r>
-            <a:r>
-              <a:rPr lang="ko-KR" altLang="en-US" dirty="0" smtClean="0"/>
-              <a:t>저장해서 우리 화면에 보여주게끔 도와주는 함수 </a:t>
-            </a:r>
-            <a:endParaRPr lang="en-US" altLang="ko-KR" dirty="0" smtClean="0"/>
-          </a:p>
-        </p:txBody>
-      </p:sp>
+      </p:pic>
     </p:spTree>
     <p:extLst>
       <p:ext uri="{BB962C8B-B14F-4D97-AF65-F5344CB8AC3E}">
-        <p14:creationId xmlns:p14="http://schemas.microsoft.com/office/powerpoint/2010/main" val="619604976"/>
+        <p14:creationId xmlns:p14="http://schemas.microsoft.com/office/powerpoint/2010/main" val="4148395850"/>
       </p:ext>
     </p:extLst>
   </p:cSld>
   <p:clrMapOvr>
     <a:masterClrMapping/>
   </p:clrMapOvr>
+  <mc:AlternateContent xmlns:mc="http://schemas.openxmlformats.org/markup-compatibility/2006" xmlns:p14="http://schemas.microsoft.com/office/powerpoint/2010/main">
+    <mc:Choice Requires="p14">
+      <p:transition/>
+    </mc:Choice>
+    <mc:Fallback xmlns:dsp="http://schemas.microsoft.com/office/drawing/2008/diagram" xmlns:dgm="http://schemas.openxmlformats.org/drawingml/2006/diagram" xmlns:c="http://schemas.openxmlformats.org/drawingml/2006/chart" xmlns="">
+      <p:transition/>
+    </mc:Fallback>
+  </mc:AlternateContent>
   <p:timing>
     <p:tnLst>
       <p:par>
@@ -7328,14 +5460,14 @@
       </p:grpSpPr>
       <p:sp>
         <p:nvSpPr>
-          <p:cNvPr id="5" name="직사각형 4"/>
+          <p:cNvPr id="14" name="직사각형 13"/>
           <p:cNvSpPr/>
           <p:nvPr/>
         </p:nvSpPr>
         <p:spPr>
           <a:xfrm>
-            <a:off x="494740" y="559558"/>
-            <a:ext cx="5938160" cy="769441"/>
+            <a:off x="382175" y="249048"/>
+            <a:ext cx="5938160" cy="923330"/>
           </a:xfrm>
           <a:prstGeom prst="rect">
             <a:avLst/>
@@ -7348,8 +5480,22 @@
           <a:lstStyle/>
           <a:p>
             <a:pPr latinLnBrk="0">
+              <a:lnSpc>
+                <a:spcPct val="150000"/>
+              </a:lnSpc>
               <a:defRPr/>
             </a:pPr>
+            <a:r>
+              <a:rPr lang="en-US" altLang="ko-KR" sz="3600" b="1" i="1" kern="0" dirty="0">
+                <a:ln w="12700">
+                  <a:solidFill>
+                    <a:srgbClr val="F56342"/>
+                  </a:solidFill>
+                </a:ln>
+                <a:noFill/>
+              </a:rPr>
+              <a:t>5</a:t>
+            </a:r>
             <a:r>
               <a:rPr lang="en-US" altLang="ko-KR" sz="3600" b="1" i="1" kern="0" dirty="0" smtClean="0">
                 <a:ln w="12700">
@@ -7359,10 +5505,10 @@
                 </a:ln>
                 <a:noFill/>
               </a:rPr>
-              <a:t>4.</a:t>
-            </a:r>
-            <a:r>
-              <a:rPr lang="ko-KR" altLang="en-US" sz="3600" b="1" i="1" kern="0" dirty="0" smtClean="0">
+              <a:t>. </a:t>
+            </a:r>
+            <a:r>
+              <a:rPr lang="en-US" altLang="ko-KR" sz="3600" b="1" i="1" kern="0" dirty="0">
                 <a:ln w="12700">
                   <a:solidFill>
                     <a:srgbClr val="F56342"/>
@@ -7370,10 +5516,10 @@
                 </a:ln>
                 <a:noFill/>
               </a:rPr>
-              <a:t>프로그램 </a:t>
-            </a:r>
-            <a:r>
-              <a:rPr lang="ko-KR" altLang="en-US" sz="3600" b="1" i="1" kern="0" dirty="0" smtClean="0">
+              <a:t>Gant </a:t>
+            </a:r>
+            <a:r>
+              <a:rPr lang="en-US" altLang="ko-KR" sz="3600" b="1" i="1" kern="0" dirty="0" smtClean="0">
                 <a:ln w="12700">
                   <a:solidFill>
                     <a:srgbClr val="F56342"/>
@@ -7381,9 +5527,9 @@
                 </a:ln>
                 <a:noFill/>
               </a:rPr>
-              <a:t>실행</a:t>
-            </a:r>
-            <a:endParaRPr lang="en-US" altLang="ko-KR" sz="3600" b="1" i="1" kern="0" dirty="0" smtClean="0">
+              <a:t>chart</a:t>
+            </a:r>
+            <a:endParaRPr lang="ko-KR" altLang="en-US" sz="3600" b="1" i="1" kern="0" dirty="0">
               <a:ln w="12700">
                 <a:solidFill>
                   <a:srgbClr val="F56342"/>
@@ -7392,105 +5538,11 @@
               <a:noFill/>
             </a:endParaRPr>
           </a:p>
-          <a:p>
-            <a:pPr latinLnBrk="0">
-              <a:defRPr/>
-            </a:pPr>
-            <a:endParaRPr lang="en-US" altLang="ko-KR" sz="800" b="1" i="1" kern="0" dirty="0" smtClean="0">
-              <a:ln w="12700">
-                <a:solidFill>
-                  <a:srgbClr val="F56342"/>
-                </a:solidFill>
-              </a:ln>
-              <a:noFill/>
-            </a:endParaRPr>
-          </a:p>
-        </p:txBody>
-      </p:sp>
-      <p:sp>
-        <p:nvSpPr>
-          <p:cNvPr id="25" name="직사각형 24"/>
-          <p:cNvSpPr/>
-          <p:nvPr/>
-        </p:nvSpPr>
-        <p:spPr>
-          <a:xfrm>
-            <a:off x="7682940" y="-3411192"/>
-            <a:ext cx="3591485" cy="761747"/>
-          </a:xfrm>
-          <a:prstGeom prst="rect">
-            <a:avLst/>
-          </a:prstGeom>
-        </p:spPr>
-        <p:txBody>
-          <a:bodyPr wrap="square">
-            <a:spAutoFit/>
-          </a:bodyPr>
-          <a:lstStyle/>
-          <a:p>
-            <a:pPr lvl="1" latinLnBrk="0"/>
-            <a:r>
-              <a:rPr lang="en-US" altLang="ko-KR" sz="1200" b="1" dirty="0">
-                <a:solidFill>
-                  <a:prstClr val="white"/>
-                </a:solidFill>
-              </a:rPr>
-              <a:t>CONTENTS </a:t>
-            </a:r>
-            <a:r>
-              <a:rPr lang="en-US" altLang="ko-KR" sz="1200" b="1" dirty="0" smtClean="0">
-                <a:solidFill>
-                  <a:prstClr val="white"/>
-                </a:solidFill>
-              </a:rPr>
-              <a:t>A</a:t>
-            </a:r>
-            <a:endParaRPr lang="en-US" altLang="ko-KR" sz="1200" b="1" dirty="0">
-              <a:solidFill>
-                <a:prstClr val="white"/>
-              </a:solidFill>
-            </a:endParaRPr>
-          </a:p>
-          <a:p>
-            <a:pPr>
-              <a:lnSpc>
-                <a:spcPct val="150000"/>
-              </a:lnSpc>
-            </a:pPr>
-            <a:r>
-              <a:rPr lang="ko-KR" altLang="en-US" sz="1100" dirty="0">
-                <a:solidFill>
-                  <a:prstClr val="white"/>
-                </a:solidFill>
-              </a:rPr>
-              <a:t>컨텐츠에 대한 내용을 적어요</a:t>
-            </a:r>
-            <a:endParaRPr lang="en-US" altLang="ko-KR" sz="1100" dirty="0">
-              <a:solidFill>
-                <a:prstClr val="white"/>
-              </a:solidFill>
-            </a:endParaRPr>
-          </a:p>
-          <a:p>
-            <a:pPr>
-              <a:lnSpc>
-                <a:spcPct val="150000"/>
-              </a:lnSpc>
-            </a:pPr>
-            <a:r>
-              <a:rPr lang="ko-KR" altLang="en-US" sz="1000" dirty="0">
-                <a:solidFill>
-                  <a:prstClr val="white"/>
-                </a:solidFill>
-              </a:rPr>
-              <a:t>Enjoy your stylish business and campus life with BIZCAM </a:t>
-            </a:r>
-          </a:p>
         </p:txBody>
       </p:sp>
       <p:pic>
         <p:nvPicPr>
-          <p:cNvPr id="2" name="그림 1"/>
+          <p:cNvPr id="4" name="그림 3"/>
           <p:cNvPicPr>
             <a:picLocks noChangeAspect="1"/>
           </p:cNvPicPr>
@@ -7510,38 +5562,8 @@
         </p:blipFill>
         <p:spPr>
           <a:xfrm>
-            <a:off x="428238" y="2135334"/>
-            <a:ext cx="5357420" cy="3392630"/>
-          </a:xfrm>
-          <a:prstGeom prst="rect">
-            <a:avLst/>
-          </a:prstGeom>
-        </p:spPr>
-      </p:pic>
-      <p:pic>
-        <p:nvPicPr>
-          <p:cNvPr id="7" name="그림 6"/>
-          <p:cNvPicPr>
-            <a:picLocks noChangeAspect="1"/>
-          </p:cNvPicPr>
-          <p:nvPr/>
-        </p:nvPicPr>
-        <p:blipFill>
-          <a:blip r:embed="rId3">
-            <a:extLst>
-              <a:ext uri="{28A0092B-C50C-407E-A947-70E740481C1C}">
-                <a14:useLocalDpi xmlns:a14="http://schemas.microsoft.com/office/drawing/2010/main" val="0"/>
-              </a:ext>
-            </a:extLst>
-          </a:blip>
-          <a:stretch>
-            <a:fillRect/>
-          </a:stretch>
-        </p:blipFill>
-        <p:spPr>
-          <a:xfrm>
-            <a:off x="6209608" y="2135334"/>
-            <a:ext cx="5787198" cy="3392630"/>
+            <a:off x="196769" y="1498108"/>
+            <a:ext cx="11775098" cy="4242292"/>
           </a:xfrm>
           <a:prstGeom prst="rect">
             <a:avLst/>
@@ -7551,13 +5573,21 @@
     </p:spTree>
     <p:extLst>
       <p:ext uri="{BB962C8B-B14F-4D97-AF65-F5344CB8AC3E}">
-        <p14:creationId xmlns:p14="http://schemas.microsoft.com/office/powerpoint/2010/main" val="2180051646"/>
+        <p14:creationId xmlns:p14="http://schemas.microsoft.com/office/powerpoint/2010/main" val="313016097"/>
       </p:ext>
     </p:extLst>
   </p:cSld>
   <p:clrMapOvr>
     <a:masterClrMapping/>
   </p:clrMapOvr>
+  <mc:AlternateContent xmlns:mc="http://schemas.openxmlformats.org/markup-compatibility/2006" xmlns:p14="http://schemas.microsoft.com/office/powerpoint/2010/main">
+    <mc:Choice Requires="p14">
+      <p:transition/>
+    </mc:Choice>
+    <mc:Fallback xmlns:dsp="http://schemas.microsoft.com/office/drawing/2008/diagram" xmlns:dgm="http://schemas.openxmlformats.org/drawingml/2006/diagram" xmlns:c="http://schemas.openxmlformats.org/drawingml/2006/chart" xmlns="">
+      <p:transition/>
+    </mc:Fallback>
+  </mc:AlternateContent>
   <p:timing>
     <p:tnLst>
       <p:par>
@@ -7595,14 +5625,14 @@
       </p:grpSpPr>
       <p:sp>
         <p:nvSpPr>
-          <p:cNvPr id="5" name="직사각형 4"/>
+          <p:cNvPr id="14" name="직사각형 13"/>
           <p:cNvSpPr/>
           <p:nvPr/>
         </p:nvSpPr>
         <p:spPr>
           <a:xfrm>
-            <a:off x="494740" y="559558"/>
-            <a:ext cx="5938160" cy="769441"/>
+            <a:off x="382175" y="249048"/>
+            <a:ext cx="5938160" cy="923330"/>
           </a:xfrm>
           <a:prstGeom prst="rect">
             <a:avLst/>
@@ -7615,6 +5645,9 @@
           <a:lstStyle/>
           <a:p>
             <a:pPr latinLnBrk="0">
+              <a:lnSpc>
+                <a:spcPct val="150000"/>
+              </a:lnSpc>
               <a:defRPr/>
             </a:pPr>
             <a:r>
@@ -7626,7 +5659,7 @@
                 </a:ln>
                 <a:noFill/>
               </a:rPr>
-              <a:t>5. </a:t>
+              <a:t>6.</a:t>
             </a:r>
             <a:r>
               <a:rPr lang="ko-KR" altLang="en-US" sz="3600" b="1" i="1" kern="0" dirty="0" smtClean="0">
@@ -7637,9 +5670,20 @@
                 </a:ln>
                 <a:noFill/>
               </a:rPr>
-              <a:t>맺음말</a:t>
-            </a:r>
-            <a:endParaRPr lang="en-US" altLang="ko-KR" sz="3600" b="1" i="1" kern="0" dirty="0" smtClean="0">
+              <a:t>작업한 </a:t>
+            </a:r>
+            <a:r>
+              <a:rPr lang="ko-KR" altLang="en-US" sz="3600" b="1" i="1" kern="0" dirty="0" smtClean="0">
+                <a:ln w="12700">
+                  <a:solidFill>
+                    <a:srgbClr val="F56342"/>
+                  </a:solidFill>
+                </a:ln>
+                <a:noFill/>
+              </a:rPr>
+              <a:t>내용</a:t>
+            </a:r>
+            <a:endParaRPr lang="ko-KR" altLang="en-US" sz="3600" b="1" i="1" kern="0" dirty="0">
               <a:ln w="12700">
                 <a:solidFill>
                   <a:srgbClr val="F56342"/>
@@ -7648,222 +5692,11 @@
               <a:noFill/>
             </a:endParaRPr>
           </a:p>
-          <a:p>
-            <a:pPr latinLnBrk="0">
-              <a:defRPr/>
-            </a:pPr>
-            <a:endParaRPr lang="en-US" altLang="ko-KR" sz="800" b="1" i="1" kern="0" dirty="0" smtClean="0">
-              <a:ln w="12700">
-                <a:solidFill>
-                  <a:srgbClr val="F56342"/>
-                </a:solidFill>
-              </a:ln>
-              <a:noFill/>
-            </a:endParaRPr>
-          </a:p>
-        </p:txBody>
-      </p:sp>
-      <p:sp>
-        <p:nvSpPr>
-          <p:cNvPr id="25" name="직사각형 24"/>
-          <p:cNvSpPr/>
-          <p:nvPr/>
-        </p:nvSpPr>
-        <p:spPr>
-          <a:xfrm>
-            <a:off x="7682940" y="-3411192"/>
-            <a:ext cx="3591485" cy="761747"/>
-          </a:xfrm>
-          <a:prstGeom prst="rect">
-            <a:avLst/>
-          </a:prstGeom>
-        </p:spPr>
-        <p:txBody>
-          <a:bodyPr wrap="square">
-            <a:spAutoFit/>
-          </a:bodyPr>
-          <a:lstStyle/>
-          <a:p>
-            <a:pPr lvl="1" latinLnBrk="0"/>
-            <a:r>
-              <a:rPr lang="en-US" altLang="ko-KR" sz="1200" b="1" dirty="0">
-                <a:solidFill>
-                  <a:prstClr val="white"/>
-                </a:solidFill>
-              </a:rPr>
-              <a:t>CONTENTS </a:t>
-            </a:r>
-            <a:r>
-              <a:rPr lang="en-US" altLang="ko-KR" sz="1200" b="1" dirty="0" smtClean="0">
-                <a:solidFill>
-                  <a:prstClr val="white"/>
-                </a:solidFill>
-              </a:rPr>
-              <a:t>A</a:t>
-            </a:r>
-            <a:endParaRPr lang="en-US" altLang="ko-KR" sz="1200" b="1" dirty="0">
-              <a:solidFill>
-                <a:prstClr val="white"/>
-              </a:solidFill>
-            </a:endParaRPr>
-          </a:p>
-          <a:p>
-            <a:pPr>
-              <a:lnSpc>
-                <a:spcPct val="150000"/>
-              </a:lnSpc>
-            </a:pPr>
-            <a:r>
-              <a:rPr lang="ko-KR" altLang="en-US" sz="1100" dirty="0">
-                <a:solidFill>
-                  <a:prstClr val="white"/>
-                </a:solidFill>
-              </a:rPr>
-              <a:t>컨텐츠에 대한 내용을 적어요</a:t>
-            </a:r>
-            <a:endParaRPr lang="en-US" altLang="ko-KR" sz="1100" dirty="0">
-              <a:solidFill>
-                <a:prstClr val="white"/>
-              </a:solidFill>
-            </a:endParaRPr>
-          </a:p>
-          <a:p>
-            <a:pPr>
-              <a:lnSpc>
-                <a:spcPct val="150000"/>
-              </a:lnSpc>
-            </a:pPr>
-            <a:r>
-              <a:rPr lang="ko-KR" altLang="en-US" sz="1000" dirty="0">
-                <a:solidFill>
-                  <a:prstClr val="white"/>
-                </a:solidFill>
-              </a:rPr>
-              <a:t>Enjoy your stylish business and campus life with BIZCAM </a:t>
-            </a:r>
-          </a:p>
-        </p:txBody>
-      </p:sp>
-      <p:sp>
-        <p:nvSpPr>
-          <p:cNvPr id="3" name="TextBox 2"/>
-          <p:cNvSpPr txBox="1"/>
-          <p:nvPr/>
-        </p:nvSpPr>
-        <p:spPr>
-          <a:xfrm>
-            <a:off x="6432900" y="1802920"/>
-            <a:ext cx="4830793" cy="3693319"/>
-          </a:xfrm>
-          <a:prstGeom prst="rect">
-            <a:avLst/>
-          </a:prstGeom>
-          <a:noFill/>
-        </p:spPr>
-        <p:txBody>
-          <a:bodyPr wrap="square" rtlCol="0">
-            <a:spAutoFit/>
-          </a:bodyPr>
-          <a:lstStyle/>
-          <a:p>
-            <a:r>
-              <a:rPr lang="ko-KR" altLang="en-US" dirty="0" smtClean="0"/>
-              <a:t>제가 맡은 코드가 단위 변환을 목적으로 하는 코드였는데</a:t>
-            </a:r>
-            <a:r>
-              <a:rPr lang="en-US" altLang="ko-KR" dirty="0" smtClean="0"/>
-              <a:t>, </a:t>
-            </a:r>
-          </a:p>
-          <a:p>
-            <a:r>
-              <a:rPr lang="ko-KR" altLang="en-US" dirty="0" smtClean="0"/>
-              <a:t>계산목적으로 하는 코드이다 보니 </a:t>
-            </a:r>
-            <a:endParaRPr lang="en-US" altLang="ko-KR" dirty="0" smtClean="0"/>
-          </a:p>
-          <a:p>
-            <a:r>
-              <a:rPr lang="ko-KR" altLang="en-US" dirty="0" smtClean="0"/>
-              <a:t>미리 생각해뒀던 코드보다는 확실히 </a:t>
-            </a:r>
-            <a:endParaRPr lang="en-US" altLang="ko-KR" dirty="0" smtClean="0"/>
-          </a:p>
-          <a:p>
-            <a:r>
-              <a:rPr lang="ko-KR" altLang="en-US" dirty="0" smtClean="0"/>
-              <a:t>명확하게 답을 도출해내고 </a:t>
-            </a:r>
-            <a:endParaRPr lang="en-US" altLang="ko-KR" dirty="0" smtClean="0"/>
-          </a:p>
-          <a:p>
-            <a:r>
-              <a:rPr lang="ko-KR" altLang="en-US" dirty="0" smtClean="0"/>
-              <a:t>간단한 코드였습니다</a:t>
-            </a:r>
-            <a:r>
-              <a:rPr lang="en-US" altLang="ko-KR" dirty="0" smtClean="0"/>
-              <a:t>.</a:t>
-            </a:r>
-          </a:p>
-          <a:p>
-            <a:endParaRPr lang="en-US" altLang="ko-KR" dirty="0" smtClean="0"/>
-          </a:p>
-          <a:p>
-            <a:r>
-              <a:rPr lang="ko-KR" altLang="en-US" dirty="0" smtClean="0"/>
-              <a:t>앞으로는 추상적인 코드들을 다루어보면서</a:t>
-            </a:r>
-            <a:endParaRPr lang="en-US" altLang="ko-KR" dirty="0" smtClean="0"/>
-          </a:p>
-          <a:p>
-            <a:r>
-              <a:rPr lang="ko-KR" altLang="en-US" dirty="0" smtClean="0"/>
-              <a:t>깊게 생각을 하고</a:t>
-            </a:r>
-            <a:r>
-              <a:rPr lang="en-US" altLang="ko-KR" dirty="0"/>
-              <a:t> </a:t>
-            </a:r>
-            <a:r>
-              <a:rPr lang="ko-KR" altLang="en-US" dirty="0" smtClean="0"/>
-              <a:t>코드도 개선하면서 </a:t>
-            </a:r>
-            <a:endParaRPr lang="en-US" altLang="ko-KR" dirty="0" smtClean="0"/>
-          </a:p>
-          <a:p>
-            <a:r>
-              <a:rPr lang="ko-KR" altLang="en-US" dirty="0" smtClean="0"/>
-              <a:t>재미를 붙여 나가겠습니다</a:t>
-            </a:r>
-            <a:endParaRPr lang="en-US" altLang="ko-KR" dirty="0" smtClean="0"/>
-          </a:p>
-          <a:p>
-            <a:endParaRPr lang="en-US" altLang="ko-KR" dirty="0"/>
-          </a:p>
-          <a:p>
-            <a:r>
-              <a:rPr lang="en-US" altLang="ko-KR" dirty="0" smtClean="0"/>
-              <a:t> </a:t>
-            </a:r>
-            <a:r>
-              <a:rPr lang="ko-KR" altLang="en-US" dirty="0" smtClean="0"/>
-              <a:t>발표 들어주셔서 감사합니다</a:t>
-            </a:r>
-            <a:r>
-              <a:rPr lang="en-US" altLang="ko-KR" dirty="0" smtClean="0"/>
-              <a:t>~</a:t>
-            </a:r>
-            <a:endParaRPr lang="en-US" altLang="ko-KR" dirty="0"/>
-          </a:p>
-          <a:p>
-            <a:endParaRPr lang="en-US" altLang="ko-KR" dirty="0" smtClean="0"/>
-          </a:p>
         </p:txBody>
       </p:sp>
       <p:pic>
         <p:nvPicPr>
-          <p:cNvPr id="4" name="그림 3"/>
+          <p:cNvPr id="2" name="그림 1"/>
           <p:cNvPicPr>
             <a:picLocks noChangeAspect="1"/>
           </p:cNvPicPr>
@@ -7883,24 +5716,152 @@
         </p:blipFill>
         <p:spPr>
           <a:xfrm>
-            <a:off x="494740" y="1627254"/>
-            <a:ext cx="5676915" cy="4028479"/>
+            <a:off x="148041" y="1222122"/>
+            <a:ext cx="6012701" cy="5126919"/>
           </a:xfrm>
           <a:prstGeom prst="rect">
             <a:avLst/>
           </a:prstGeom>
         </p:spPr>
       </p:pic>
+      <p:sp>
+        <p:nvSpPr>
+          <p:cNvPr id="3" name="TextBox 2"/>
+          <p:cNvSpPr txBox="1"/>
+          <p:nvPr/>
+        </p:nvSpPr>
+        <p:spPr>
+          <a:xfrm>
+            <a:off x="6806242" y="1222122"/>
+            <a:ext cx="4373592" cy="2862322"/>
+          </a:xfrm>
+          <a:prstGeom prst="rect">
+            <a:avLst/>
+          </a:prstGeom>
+          <a:noFill/>
+        </p:spPr>
+        <p:txBody>
+          <a:bodyPr wrap="square" rtlCol="0">
+            <a:spAutoFit/>
+          </a:bodyPr>
+          <a:lstStyle/>
+          <a:p>
+            <a:r>
+              <a:rPr lang="ko-KR" altLang="en-US" dirty="0" smtClean="0"/>
+              <a:t>게임이 시작하면 </a:t>
+            </a:r>
+            <a:r>
+              <a:rPr lang="ko-KR" altLang="en-US" dirty="0" err="1" smtClean="0"/>
+              <a:t>배경음이</a:t>
+            </a:r>
+            <a:r>
+              <a:rPr lang="ko-KR" altLang="en-US" dirty="0" smtClean="0"/>
+              <a:t> 들리게끔</a:t>
+            </a:r>
+            <a:endParaRPr lang="en-US" altLang="ko-KR" dirty="0" smtClean="0"/>
+          </a:p>
+          <a:p>
+            <a:r>
+              <a:rPr lang="ko-KR" altLang="en-US" dirty="0" smtClean="0"/>
+              <a:t>오디오 파일을  </a:t>
+            </a:r>
+            <a:r>
+              <a:rPr lang="en-US" altLang="ko-KR" dirty="0" err="1" smtClean="0"/>
+              <a:t>GameObject</a:t>
+            </a:r>
+            <a:r>
+              <a:rPr lang="ko-KR" altLang="en-US" dirty="0" smtClean="0"/>
+              <a:t>에 넣어 </a:t>
+            </a:r>
+            <a:endParaRPr lang="en-US" altLang="ko-KR" dirty="0" smtClean="0"/>
+          </a:p>
+          <a:p>
+            <a:r>
+              <a:rPr lang="ko-KR" altLang="en-US" dirty="0" err="1" smtClean="0"/>
+              <a:t>배경음을</a:t>
+            </a:r>
+            <a:r>
+              <a:rPr lang="ko-KR" altLang="en-US" dirty="0" smtClean="0"/>
+              <a:t> 들을 수 있게 하였습니다</a:t>
+            </a:r>
+            <a:endParaRPr lang="en-US" altLang="ko-KR" dirty="0" smtClean="0"/>
+          </a:p>
+          <a:p>
+            <a:endParaRPr lang="en-US" altLang="ko-KR" dirty="0"/>
+          </a:p>
+          <a:p>
+            <a:r>
+              <a:rPr lang="ko-KR" altLang="en-US" dirty="0" smtClean="0"/>
+              <a:t>화면에 버튼을 추가하여  </a:t>
+            </a:r>
+            <a:endParaRPr lang="en-US" altLang="ko-KR" dirty="0"/>
+          </a:p>
+          <a:p>
+            <a:r>
+              <a:rPr lang="ko-KR" altLang="en-US" dirty="0" smtClean="0"/>
+              <a:t>지정한 </a:t>
+            </a:r>
+            <a:r>
+              <a:rPr lang="en-US" altLang="ko-KR" dirty="0" smtClean="0"/>
+              <a:t>4</a:t>
+            </a:r>
+            <a:r>
+              <a:rPr lang="ko-KR" altLang="en-US" dirty="0" smtClean="0"/>
+              <a:t>개의 파일들을  중 랜덤으로</a:t>
+            </a:r>
+            <a:endParaRPr lang="en-US" altLang="ko-KR" dirty="0" smtClean="0"/>
+          </a:p>
+          <a:p>
+            <a:r>
+              <a:rPr lang="ko-KR" altLang="en-US" dirty="0" smtClean="0"/>
+              <a:t>하나씩 불러와서 </a:t>
+            </a:r>
+            <a:r>
+              <a:rPr lang="ko-KR" altLang="en-US" dirty="0" err="1" smtClean="0"/>
+              <a:t>배경음을</a:t>
+            </a:r>
+            <a:r>
+              <a:rPr lang="ko-KR" altLang="en-US" dirty="0" smtClean="0"/>
+              <a:t> 바꿀 수</a:t>
+            </a:r>
+            <a:endParaRPr lang="en-US" altLang="ko-KR" dirty="0" smtClean="0"/>
+          </a:p>
+          <a:p>
+            <a:r>
+              <a:rPr lang="ko-KR" altLang="en-US" dirty="0" smtClean="0"/>
+              <a:t>있도록 하였습니다</a:t>
+            </a:r>
+            <a:r>
+              <a:rPr lang="en-US" altLang="ko-KR" dirty="0" smtClean="0"/>
+              <a:t>.</a:t>
+            </a:r>
+          </a:p>
+          <a:p>
+            <a:endParaRPr lang="en-US" altLang="ko-KR" dirty="0" smtClean="0"/>
+          </a:p>
+          <a:p>
+            <a:endParaRPr lang="ko-KR" altLang="en-US" dirty="0"/>
+          </a:p>
+        </p:txBody>
+      </p:sp>
     </p:spTree>
     <p:extLst>
       <p:ext uri="{BB962C8B-B14F-4D97-AF65-F5344CB8AC3E}">
-        <p14:creationId xmlns:p14="http://schemas.microsoft.com/office/powerpoint/2010/main" val="1835927038"/>
+        <p14:creationId xmlns:p14="http://schemas.microsoft.com/office/powerpoint/2010/main" val="797009989"/>
       </p:ext>
     </p:extLst>
   </p:cSld>
   <p:clrMapOvr>
     <a:masterClrMapping/>
   </p:clrMapOvr>
+  <mc:AlternateContent xmlns:mc="http://schemas.openxmlformats.org/markup-compatibility/2006" xmlns:p14="http://schemas.microsoft.com/office/powerpoint/2010/main">
+    <mc:Choice Requires="p14">
+      <p:transition/>
+    </mc:Choice>
+    <mc:Fallback xmlns:dsp="http://schemas.microsoft.com/office/drawing/2008/diagram" xmlns:dgm="http://schemas.openxmlformats.org/drawingml/2006/diagram" xmlns:c="http://schemas.openxmlformats.org/drawingml/2006/chart" xmlns="">
+      <p:transition/>
+    </mc:Fallback>
+  </mc:AlternateContent>
   <p:timing>
     <p:tnLst>
       <p:par>
@@ -7914,6 +5875,14 @@
 <file path=ppt/slides/slide9.xml><?xml version="1.0" encoding="utf-8"?>
 <p:sld xmlns:a="http://schemas.openxmlformats.org/drawingml/2006/main" xmlns:r="http://schemas.openxmlformats.org/officeDocument/2006/relationships" xmlns:p="http://schemas.openxmlformats.org/presentationml/2006/main">
   <p:cSld>
+    <p:bg>
+      <p:bgPr>
+        <a:solidFill>
+          <a:srgbClr val="27387D"/>
+        </a:solidFill>
+        <a:effectLst/>
+      </p:bgPr>
+    </p:bg>
     <p:spTree>
       <p:nvGrpSpPr>
         <p:cNvPr id="1" name=""/>
@@ -7930,14 +5899,14 @@
       </p:grpSpPr>
       <p:sp>
         <p:nvSpPr>
-          <p:cNvPr id="4" name="직사각형 3"/>
+          <p:cNvPr id="14" name="직사각형 13"/>
           <p:cNvSpPr/>
           <p:nvPr/>
         </p:nvSpPr>
         <p:spPr>
           <a:xfrm>
-            <a:off x="3977579" y="2244572"/>
-            <a:ext cx="4236842" cy="2373148"/>
+            <a:off x="382175" y="249048"/>
+            <a:ext cx="5938160" cy="923330"/>
           </a:xfrm>
           <a:prstGeom prst="rect">
             <a:avLst/>
@@ -7949,141 +5918,188 @@
           </a:bodyPr>
           <a:lstStyle/>
           <a:p>
-            <a:pPr algn="ctr">
+            <a:pPr latinLnBrk="0">
               <a:lnSpc>
                 <a:spcPct val="150000"/>
               </a:lnSpc>
               <a:defRPr/>
             </a:pPr>
             <a:r>
-              <a:rPr lang="en-US" altLang="ko-KR" sz="10000" b="1">
+              <a:rPr lang="en-US" altLang="ko-KR" sz="3600" b="1" i="1" kern="0" dirty="0">
+                <a:ln w="12700">
+                  <a:solidFill>
+                    <a:srgbClr val="F56342"/>
+                  </a:solidFill>
+                </a:ln>
+                <a:noFill/>
+              </a:rPr>
+              <a:t>7</a:t>
+            </a:r>
+            <a:r>
+              <a:rPr lang="en-US" altLang="ko-KR" sz="3600" b="1" i="1" kern="0" dirty="0" smtClean="0">
+                <a:ln w="12700">
+                  <a:solidFill>
+                    <a:srgbClr val="F56342"/>
+                  </a:solidFill>
+                </a:ln>
+                <a:noFill/>
+              </a:rPr>
+              <a:t>. </a:t>
+            </a:r>
+            <a:r>
+              <a:rPr lang="ko-KR" altLang="en-US" sz="3600" b="1" i="1" kern="0" dirty="0" smtClean="0">
+                <a:ln w="12700">
+                  <a:solidFill>
+                    <a:srgbClr val="F56342"/>
+                  </a:solidFill>
+                </a:ln>
+                <a:noFill/>
+              </a:rPr>
+              <a:t>팀원평가</a:t>
+            </a:r>
+            <a:endParaRPr lang="ko-KR" altLang="en-US" sz="3600" b="1" i="1" kern="0" dirty="0">
+              <a:ln w="12700">
                 <a:solidFill>
-                  <a:prstClr val="black">
-                    <a:lumMod val="75000"/>
-                    <a:lumOff val="25000"/>
-                  </a:prstClr>
+                  <a:srgbClr val="F56342"/>
                 </a:solidFill>
-              </a:rPr>
-              <a:t>Q &amp; A</a:t>
-            </a:r>
-          </a:p>
-        </p:txBody>
-      </p:sp>
-      <p:sp>
-        <p:nvSpPr>
-          <p:cNvPr id="8" name="타원 7"/>
-          <p:cNvSpPr/>
+              </a:ln>
+              <a:noFill/>
+            </a:endParaRPr>
+          </a:p>
+        </p:txBody>
+      </p:sp>
+      <p:sp>
+        <p:nvSpPr>
+          <p:cNvPr id="2" name="TextBox 1"/>
+          <p:cNvSpPr txBox="1"/>
           <p:nvPr/>
         </p:nvSpPr>
         <p:spPr>
           <a:xfrm>
-            <a:off x="1585026" y="2001545"/>
-            <a:ext cx="4177826" cy="4156660"/>
+            <a:off x="508957" y="1544128"/>
+            <a:ext cx="5811378" cy="3139321"/>
           </a:xfrm>
-          <a:prstGeom prst="ellipse">
+          <a:prstGeom prst="rect">
             <a:avLst/>
           </a:prstGeom>
-          <a:solidFill>
-            <a:srgbClr val="27387D">
-              <a:alpha val="50000"/>
-            </a:srgbClr>
-          </a:solidFill>
-          <a:ln>
-            <a:noFill/>
-          </a:ln>
+          <a:noFill/>
         </p:spPr>
-        <p:style>
-          <a:lnRef idx="2">
-            <a:schemeClr val="accent1">
-              <a:shade val="50000"/>
-            </a:schemeClr>
-          </a:lnRef>
-          <a:fillRef idx="1">
-            <a:schemeClr val="accent1"/>
-          </a:fillRef>
-          <a:effectRef idx="0">
-            <a:schemeClr val="accent1"/>
-          </a:effectRef>
-          <a:fontRef idx="minor">
-            <a:schemeClr val="lt1"/>
-          </a:fontRef>
-        </p:style>
-        <p:txBody>
-          <a:bodyPr anchor="ctr"/>
-          <a:lstStyle/>
-          <a:p>
-            <a:pPr algn="ctr">
-              <a:lnSpc>
-                <a:spcPct val="150000"/>
-              </a:lnSpc>
-              <a:defRPr/>
-            </a:pPr>
-            <a:endParaRPr lang="en-US" altLang="ko-KR" sz="2800" b="1">
-              <a:solidFill>
-                <a:prstClr val="white"/>
-              </a:solidFill>
-            </a:endParaRPr>
-          </a:p>
-        </p:txBody>
-      </p:sp>
-      <p:sp>
-        <p:nvSpPr>
-          <p:cNvPr id="7" name="타원 6"/>
-          <p:cNvSpPr/>
-          <p:nvPr/>
-        </p:nvSpPr>
-        <p:spPr>
-          <a:xfrm>
-            <a:off x="6229450" y="731545"/>
-            <a:ext cx="4156660" cy="4124910"/>
-          </a:xfrm>
-          <a:prstGeom prst="ellipse">
-            <a:avLst/>
-          </a:prstGeom>
-          <a:solidFill>
-            <a:srgbClr val="F56342">
-              <a:alpha val="53000"/>
-            </a:srgbClr>
-          </a:solidFill>
-          <a:ln>
-            <a:noFill/>
-          </a:ln>
-        </p:spPr>
-        <p:style>
-          <a:lnRef idx="2">
-            <a:schemeClr val="accent1">
-              <a:shade val="50000"/>
-            </a:schemeClr>
-          </a:lnRef>
-          <a:fillRef idx="1">
-            <a:schemeClr val="accent1"/>
-          </a:fillRef>
-          <a:effectRef idx="0">
-            <a:schemeClr val="accent1"/>
-          </a:effectRef>
-          <a:fontRef idx="minor">
-            <a:schemeClr val="lt1"/>
-          </a:fontRef>
-        </p:style>
-        <p:txBody>
-          <a:bodyPr anchor="ctr"/>
-          <a:lstStyle/>
-          <a:p>
-            <a:pPr algn="ctr">
-              <a:lnSpc>
-                <a:spcPct val="150000"/>
-              </a:lnSpc>
-              <a:defRPr/>
-            </a:pPr>
-            <a:endParaRPr lang="en-US" altLang="ko-KR" sz="2800" b="1">
-              <a:solidFill>
-                <a:prstClr val="white"/>
-              </a:solidFill>
-            </a:endParaRPr>
+        <p:txBody>
+          <a:bodyPr wrap="square" rtlCol="0">
+            <a:spAutoFit/>
+          </a:bodyPr>
+          <a:lstStyle/>
+          <a:p>
+            <a:r>
+              <a:rPr lang="ko-KR" altLang="en-US" dirty="0" smtClean="0"/>
+              <a:t>이대윤</a:t>
+            </a:r>
+            <a:endParaRPr lang="en-US" altLang="ko-KR" dirty="0" smtClean="0"/>
+          </a:p>
+          <a:p>
+            <a:endParaRPr lang="en-US" altLang="ko-KR" dirty="0"/>
+          </a:p>
+          <a:p>
+            <a:r>
+              <a:rPr lang="ko-KR" altLang="en-US" dirty="0" smtClean="0"/>
+              <a:t>공손함</a:t>
+            </a:r>
+            <a:r>
+              <a:rPr lang="en-US" altLang="ko-KR" dirty="0" smtClean="0"/>
+              <a:t>: </a:t>
+            </a:r>
+            <a:r>
+              <a:rPr lang="ko-KR" altLang="en-US" dirty="0" smtClean="0"/>
+              <a:t>공손함은 상으로 같이 프로젝트를 </a:t>
+            </a:r>
+            <a:r>
+              <a:rPr lang="ko-KR" altLang="en-US" dirty="0" err="1" smtClean="0"/>
+              <a:t>하는데있어</a:t>
+            </a:r>
+            <a:r>
+              <a:rPr lang="ko-KR" altLang="en-US" dirty="0" smtClean="0"/>
+              <a:t> 정중했음</a:t>
+            </a:r>
+            <a:endParaRPr lang="en-US" altLang="ko-KR" dirty="0" smtClean="0"/>
+          </a:p>
+          <a:p>
+            <a:endParaRPr lang="en-US" altLang="ko-KR" dirty="0"/>
+          </a:p>
+          <a:p>
+            <a:r>
+              <a:rPr lang="ko-KR" altLang="en-US" dirty="0" smtClean="0"/>
+              <a:t>책임감</a:t>
+            </a:r>
+            <a:r>
+              <a:rPr lang="en-US" altLang="ko-KR" dirty="0" smtClean="0"/>
+              <a:t>: </a:t>
+            </a:r>
+            <a:r>
+              <a:rPr lang="ko-KR" altLang="en-US" dirty="0" smtClean="0"/>
+              <a:t>책임감은 중으로 작업을 미루려는 타입</a:t>
+            </a:r>
+            <a:endParaRPr lang="en-US" altLang="ko-KR" dirty="0" smtClean="0"/>
+          </a:p>
+          <a:p>
+            <a:endParaRPr lang="en-US" altLang="ko-KR" dirty="0"/>
+          </a:p>
+          <a:p>
+            <a:r>
+              <a:rPr lang="ko-KR" altLang="en-US" dirty="0" smtClean="0"/>
+              <a:t>집중도</a:t>
+            </a:r>
+            <a:r>
+              <a:rPr lang="en-US" altLang="ko-KR" dirty="0" smtClean="0"/>
+              <a:t>: </a:t>
+            </a:r>
+            <a:r>
+              <a:rPr lang="ko-KR" altLang="en-US" dirty="0" smtClean="0"/>
+              <a:t>집중도 는 해야 할 때는 집중해서 하지만 정해진 시간을 잘 지키지 않음</a:t>
+            </a:r>
+            <a:endParaRPr lang="en-US" altLang="ko-KR" dirty="0" smtClean="0"/>
+          </a:p>
+          <a:p>
+            <a:endParaRPr lang="en-US" altLang="ko-KR" dirty="0"/>
+          </a:p>
+          <a:p>
+            <a:r>
+              <a:rPr lang="ko-KR" altLang="en-US" dirty="0" smtClean="0"/>
+              <a:t>작업내용</a:t>
+            </a:r>
+            <a:r>
+              <a:rPr lang="en-US" altLang="ko-KR" dirty="0" smtClean="0"/>
+              <a:t>: ballgame </a:t>
+            </a:r>
+            <a:r>
+              <a:rPr lang="ko-KR" altLang="en-US" dirty="0" smtClean="0"/>
+              <a:t>작성 </a:t>
+            </a:r>
+            <a:r>
+              <a:rPr lang="ko-KR" altLang="en-US" dirty="0" err="1" smtClean="0"/>
+              <a:t>깃병합</a:t>
+            </a:r>
+            <a:r>
+              <a:rPr lang="ko-KR" altLang="en-US" dirty="0" smtClean="0"/>
+              <a:t> </a:t>
+            </a:r>
+            <a:r>
+              <a:rPr lang="en-US" altLang="ko-KR" dirty="0" err="1" smtClean="0"/>
+              <a:t>ppt</a:t>
+            </a:r>
+            <a:r>
+              <a:rPr lang="ko-KR" altLang="en-US" dirty="0" smtClean="0"/>
+              <a:t>만들기  </a:t>
+            </a:r>
+            <a:endParaRPr lang="ko-KR" altLang="en-US" dirty="0"/>
           </a:p>
         </p:txBody>
       </p:sp>
     </p:spTree>
+    <p:extLst>
+      <p:ext uri="{BB962C8B-B14F-4D97-AF65-F5344CB8AC3E}">
+        <p14:creationId xmlns:p14="http://schemas.microsoft.com/office/powerpoint/2010/main" val="1337489757"/>
+      </p:ext>
+    </p:extLst>
   </p:cSld>
   <p:clrMapOvr>
     <a:masterClrMapping/>
